--- a/발표 ppt.pptx
+++ b/발표 ppt.pptx
@@ -5,7 +5,7 @@
     <p:sldMasterId id="2147483648" r:id="rId1"/>
   </p:sldMasterIdLst>
   <p:notesMasterIdLst>
-    <p:notesMasterId r:id="rId8"/>
+    <p:notesMasterId r:id="rId11"/>
   </p:notesMasterIdLst>
   <p:sldIdLst>
     <p:sldId id="262" r:id="rId2"/>
@@ -13,7 +13,10 @@
     <p:sldId id="258" r:id="rId4"/>
     <p:sldId id="260" r:id="rId5"/>
     <p:sldId id="261" r:id="rId6"/>
-    <p:sldId id="256" r:id="rId7"/>
+    <p:sldId id="263" r:id="rId7"/>
+    <p:sldId id="264" r:id="rId8"/>
+    <p:sldId id="256" r:id="rId9"/>
+    <p:sldId id="265" r:id="rId10"/>
   </p:sldIdLst>
   <p:sldSz cx="12192000" cy="6858000"/>
   <p:notesSz cx="6858000" cy="9144000"/>
@@ -5414,6 +5417,358 @@
           <p:cNvPr id="2" name="제목 1">
             <a:extLst>
               <a:ext uri="{FF2B5EF4-FFF2-40B4-BE49-F238E27FC236}">
+                <a16:creationId xmlns:a16="http://schemas.microsoft.com/office/drawing/2014/main" id="{9DF5B3A3-787D-03E7-A31F-9FDB53181269}"/>
+              </a:ext>
+            </a:extLst>
+          </p:cNvPr>
+          <p:cNvSpPr>
+            <a:spLocks noGrp="1"/>
+          </p:cNvSpPr>
+          <p:nvPr>
+            <p:ph type="title"/>
+          </p:nvPr>
+        </p:nvSpPr>
+        <p:spPr/>
+        <p:txBody>
+          <a:bodyPr/>
+          <a:lstStyle/>
+          <a:p>
+            <a:r>
+              <a:rPr lang="ko-KR" altLang="en-US" dirty="0"/>
+              <a:t>데이터 수집 과정</a:t>
+            </a:r>
+          </a:p>
+        </p:txBody>
+      </p:sp>
+      <p:sp>
+        <p:nvSpPr>
+          <p:cNvPr id="3" name="내용 개체 틀 2">
+            <a:extLst>
+              <a:ext uri="{FF2B5EF4-FFF2-40B4-BE49-F238E27FC236}">
+                <a16:creationId xmlns:a16="http://schemas.microsoft.com/office/drawing/2014/main" id="{C7456459-7BFE-7379-3BAE-82A754F0D023}"/>
+              </a:ext>
+            </a:extLst>
+          </p:cNvPr>
+          <p:cNvSpPr>
+            <a:spLocks noGrp="1"/>
+          </p:cNvSpPr>
+          <p:nvPr>
+            <p:ph idx="1"/>
+          </p:nvPr>
+        </p:nvSpPr>
+        <p:spPr/>
+        <p:txBody>
+          <a:bodyPr/>
+          <a:lstStyle/>
+          <a:p>
+            <a:r>
+              <a:rPr lang="ko-KR" altLang="en-US" dirty="0"/>
+              <a:t>타겟</a:t>
+            </a:r>
+            <a:r>
+              <a:rPr lang="en-US" altLang="ko-KR" dirty="0"/>
+              <a:t>: 3</a:t>
+            </a:r>
+            <a:r>
+              <a:rPr lang="ko-KR" altLang="en-US" dirty="0"/>
+              <a:t>개 정상</a:t>
+            </a:r>
+            <a:r>
+              <a:rPr lang="en-US" altLang="ko-KR" dirty="0"/>
+              <a:t>, </a:t>
+            </a:r>
+            <a:r>
+              <a:rPr lang="ko-KR" altLang="en-US" dirty="0" err="1"/>
+              <a:t>거북목</a:t>
+            </a:r>
+            <a:r>
+              <a:rPr lang="en-US" altLang="ko-KR" dirty="0"/>
+              <a:t>, </a:t>
+            </a:r>
+            <a:r>
+              <a:rPr lang="ko-KR" altLang="en-US" dirty="0" err="1"/>
+              <a:t>등기댐</a:t>
+            </a:r>
+            <a:endParaRPr lang="en-US" altLang="ko-KR" dirty="0"/>
+          </a:p>
+          <a:p>
+            <a:r>
+              <a:rPr lang="en-US" altLang="ko-KR" dirty="0"/>
+              <a:t>TensorFlow.js API </a:t>
+            </a:r>
+            <a:r>
+              <a:rPr lang="ko-KR" altLang="en-US" dirty="0"/>
+              <a:t>이용</a:t>
+            </a:r>
+            <a:endParaRPr lang="en-US" altLang="ko-KR" dirty="0"/>
+          </a:p>
+          <a:p>
+            <a:r>
+              <a:rPr lang="ko-KR" altLang="en-US" dirty="0"/>
+              <a:t>앉은 자세 이미지 </a:t>
+            </a:r>
+            <a:r>
+              <a:rPr lang="en-US" altLang="ko-KR" dirty="0"/>
+              <a:t>-&gt; </a:t>
+            </a:r>
+            <a:r>
+              <a:rPr lang="ko-KR" altLang="en-US" dirty="0"/>
+              <a:t>이미지 링크</a:t>
+            </a:r>
+            <a:endParaRPr lang="en-US" altLang="ko-KR" dirty="0"/>
+          </a:p>
+          <a:p>
+            <a:pPr lvl="1"/>
+            <a:r>
+              <a:rPr lang="en-US" altLang="ko-KR" dirty="0"/>
+              <a:t>Google</a:t>
+            </a:r>
+            <a:r>
+              <a:rPr lang="ko-KR" altLang="en-US" dirty="0"/>
+              <a:t> </a:t>
+            </a:r>
+            <a:r>
+              <a:rPr lang="en-US" altLang="ko-KR" dirty="0"/>
+              <a:t>Custom Search Engine API -&gt; </a:t>
+            </a:r>
+            <a:r>
+              <a:rPr lang="ko-KR" altLang="en-US" dirty="0"/>
+              <a:t>빠른 시간에 </a:t>
+            </a:r>
+            <a:r>
+              <a:rPr lang="ko-KR" altLang="en-US" dirty="0" err="1"/>
+              <a:t>제한량</a:t>
+            </a:r>
+            <a:r>
+              <a:rPr lang="ko-KR" altLang="en-US" dirty="0"/>
+              <a:t> 초과로 </a:t>
+            </a:r>
+            <a:r>
+              <a:rPr lang="en-US" altLang="ko-KR" dirty="0"/>
+              <a:t>X</a:t>
+            </a:r>
+          </a:p>
+          <a:p>
+            <a:pPr lvl="1"/>
+            <a:r>
+              <a:rPr lang="en-US" altLang="ko-KR" dirty="0"/>
+              <a:t>Selenium </a:t>
+            </a:r>
+            <a:r>
+              <a:rPr lang="ko-KR" altLang="en-US" dirty="0"/>
+              <a:t>자동화</a:t>
+            </a:r>
+            <a:r>
+              <a:rPr lang="en-US" altLang="ko-KR" dirty="0"/>
+              <a:t> -&gt; 1913</a:t>
+            </a:r>
+            <a:r>
+              <a:rPr lang="ko-KR" altLang="en-US" dirty="0"/>
+              <a:t>개 링크 확보</a:t>
+            </a:r>
+            <a:endParaRPr lang="en-US" altLang="ko-KR" dirty="0"/>
+          </a:p>
+          <a:p>
+            <a:pPr lvl="1"/>
+            <a:r>
+              <a:rPr lang="ko-KR" altLang="en-US" dirty="0" err="1"/>
+              <a:t>전처리</a:t>
+            </a:r>
+            <a:r>
+              <a:rPr lang="ko-KR" altLang="en-US" dirty="0"/>
+              <a:t> 데이터 생성 </a:t>
+            </a:r>
+            <a:r>
+              <a:rPr lang="en-US" altLang="ko-KR" dirty="0"/>
+              <a:t>-&gt; 1913</a:t>
+            </a:r>
+            <a:r>
+              <a:rPr lang="ko-KR" altLang="en-US" dirty="0"/>
+              <a:t>개 중 </a:t>
+            </a:r>
+            <a:r>
+              <a:rPr lang="en-US" altLang="ko-KR" dirty="0"/>
+              <a:t>1123124</a:t>
+            </a:r>
+            <a:r>
+              <a:rPr lang="ko-KR" altLang="en-US" dirty="0"/>
+              <a:t>개</a:t>
+            </a:r>
+            <a:endParaRPr lang="en-US" altLang="ko-KR" dirty="0"/>
+          </a:p>
+          <a:p>
+            <a:pPr lvl="1"/>
+            <a:r>
+              <a:rPr lang="ko-KR" altLang="en-US" dirty="0"/>
+              <a:t>제대로 된 책상에 앉아 </a:t>
+            </a:r>
+            <a:r>
+              <a:rPr lang="ko-KR" altLang="en-US" dirty="0" err="1"/>
+              <a:t>웹캠을</a:t>
+            </a:r>
+            <a:r>
+              <a:rPr lang="ko-KR" altLang="en-US" dirty="0"/>
+              <a:t> 보고 있는 사진이 없음</a:t>
+            </a:r>
+            <a:r>
+              <a:rPr lang="en-US" altLang="ko-KR" dirty="0"/>
+              <a:t> -&gt; </a:t>
+            </a:r>
+            <a:r>
+              <a:rPr lang="ko-KR" altLang="en-US" dirty="0"/>
+              <a:t>직접 촬영</a:t>
+            </a:r>
+            <a:endParaRPr lang="en-US" altLang="ko-KR" dirty="0"/>
+          </a:p>
+          <a:p>
+            <a:r>
+              <a:rPr lang="ko-KR" altLang="en-US" dirty="0"/>
+              <a:t>앉은 자세 </a:t>
+            </a:r>
+            <a:r>
+              <a:rPr lang="ko-KR" altLang="en-US" dirty="0" err="1"/>
+              <a:t>웹캠</a:t>
+            </a:r>
+            <a:r>
+              <a:rPr lang="ko-KR" altLang="en-US" dirty="0"/>
+              <a:t> 촬영</a:t>
+            </a:r>
+            <a:endParaRPr lang="en-US" altLang="ko-KR" dirty="0"/>
+          </a:p>
+          <a:p>
+            <a:pPr lvl="1"/>
+            <a:r>
+              <a:rPr lang="en-US" altLang="ko-KR" dirty="0"/>
+              <a:t>500</a:t>
+            </a:r>
+            <a:r>
+              <a:rPr lang="ko-KR" altLang="en-US" dirty="0"/>
+              <a:t>장씩 촬영</a:t>
+            </a:r>
+          </a:p>
+        </p:txBody>
+      </p:sp>
+    </p:spTree>
+    <p:extLst>
+      <p:ext uri="{BB962C8B-B14F-4D97-AF65-F5344CB8AC3E}">
+        <p14:creationId xmlns:p14="http://schemas.microsoft.com/office/powerpoint/2010/main" val="1530147674"/>
+      </p:ext>
+    </p:extLst>
+  </p:cSld>
+  <p:clrMapOvr>
+    <a:masterClrMapping/>
+  </p:clrMapOvr>
+</p:sld>
+</file>
+
+<file path=ppt/slides/slide7.xml><?xml version="1.0" encoding="utf-8"?>
+<p:sld xmlns:a="http://schemas.openxmlformats.org/drawingml/2006/main" xmlns:r="http://schemas.openxmlformats.org/officeDocument/2006/relationships" xmlns:p="http://schemas.openxmlformats.org/presentationml/2006/main">
+  <p:cSld>
+    <p:spTree>
+      <p:nvGrpSpPr>
+        <p:cNvPr id="1" name=""/>
+        <p:cNvGrpSpPr/>
+        <p:nvPr/>
+      </p:nvGrpSpPr>
+      <p:grpSpPr>
+        <a:xfrm>
+          <a:off x="0" y="0"/>
+          <a:ext cx="0" cy="0"/>
+          <a:chOff x="0" y="0"/>
+          <a:chExt cx="0" cy="0"/>
+        </a:xfrm>
+      </p:grpSpPr>
+      <p:sp>
+        <p:nvSpPr>
+          <p:cNvPr id="2" name="제목 1">
+            <a:extLst>
+              <a:ext uri="{FF2B5EF4-FFF2-40B4-BE49-F238E27FC236}">
+                <a16:creationId xmlns:a16="http://schemas.microsoft.com/office/drawing/2014/main" id="{1A04EBFE-609D-3C52-679C-A57A13ED2A23}"/>
+              </a:ext>
+            </a:extLst>
+          </p:cNvPr>
+          <p:cNvSpPr>
+            <a:spLocks noGrp="1"/>
+          </p:cNvSpPr>
+          <p:nvPr>
+            <p:ph type="title"/>
+          </p:nvPr>
+        </p:nvSpPr>
+        <p:spPr/>
+        <p:txBody>
+          <a:bodyPr/>
+          <a:lstStyle/>
+          <a:p>
+            <a:r>
+              <a:rPr lang="ko-KR" altLang="en-US" dirty="0"/>
+              <a:t>모델 학습</a:t>
+            </a:r>
+          </a:p>
+        </p:txBody>
+      </p:sp>
+      <p:sp>
+        <p:nvSpPr>
+          <p:cNvPr id="3" name="내용 개체 틀 2">
+            <a:extLst>
+              <a:ext uri="{FF2B5EF4-FFF2-40B4-BE49-F238E27FC236}">
+                <a16:creationId xmlns:a16="http://schemas.microsoft.com/office/drawing/2014/main" id="{A86768EB-84B9-CF84-9FFE-8FC4AAB9C9B9}"/>
+              </a:ext>
+            </a:extLst>
+          </p:cNvPr>
+          <p:cNvSpPr>
+            <a:spLocks noGrp="1"/>
+          </p:cNvSpPr>
+          <p:nvPr>
+            <p:ph idx="1"/>
+          </p:nvPr>
+        </p:nvSpPr>
+        <p:spPr/>
+        <p:txBody>
+          <a:bodyPr/>
+          <a:lstStyle/>
+          <a:p>
+            <a:r>
+              <a:rPr lang="ko-KR" altLang="en-US" dirty="0"/>
+              <a:t>이미지 보여주기</a:t>
+            </a:r>
+          </a:p>
+        </p:txBody>
+      </p:sp>
+    </p:spTree>
+    <p:extLst>
+      <p:ext uri="{BB962C8B-B14F-4D97-AF65-F5344CB8AC3E}">
+        <p14:creationId xmlns:p14="http://schemas.microsoft.com/office/powerpoint/2010/main" val="2376215942"/>
+      </p:ext>
+    </p:extLst>
+  </p:cSld>
+  <p:clrMapOvr>
+    <a:masterClrMapping/>
+  </p:clrMapOvr>
+</p:sld>
+</file>
+
+<file path=ppt/slides/slide8.xml><?xml version="1.0" encoding="utf-8"?>
+<p:sld xmlns:a="http://schemas.openxmlformats.org/drawingml/2006/main" xmlns:r="http://schemas.openxmlformats.org/officeDocument/2006/relationships" xmlns:p="http://schemas.openxmlformats.org/presentationml/2006/main">
+  <p:cSld>
+    <p:spTree>
+      <p:nvGrpSpPr>
+        <p:cNvPr id="1" name=""/>
+        <p:cNvGrpSpPr/>
+        <p:nvPr/>
+      </p:nvGrpSpPr>
+      <p:grpSpPr>
+        <a:xfrm>
+          <a:off x="0" y="0"/>
+          <a:ext cx="0" cy="0"/>
+          <a:chOff x="0" y="0"/>
+          <a:chExt cx="0" cy="0"/>
+        </a:xfrm>
+      </p:grpSpPr>
+      <p:sp>
+        <p:nvSpPr>
+          <p:cNvPr id="2" name="제목 1">
+            <a:extLst>
+              <a:ext uri="{FF2B5EF4-FFF2-40B4-BE49-F238E27FC236}">
                 <a16:creationId xmlns:a16="http://schemas.microsoft.com/office/drawing/2014/main" id="{71C48C7F-3DF6-6EBD-1C98-34C0D7F6F89F}"/>
               </a:ext>
             </a:extLst>
@@ -5673,6 +6028,119 @@
     <p:extLst>
       <p:ext uri="{BB962C8B-B14F-4D97-AF65-F5344CB8AC3E}">
         <p14:creationId xmlns:p14="http://schemas.microsoft.com/office/powerpoint/2010/main" val="1588439881"/>
+      </p:ext>
+    </p:extLst>
+  </p:cSld>
+  <p:clrMapOvr>
+    <a:masterClrMapping/>
+  </p:clrMapOvr>
+</p:sld>
+</file>
+
+<file path=ppt/slides/slide9.xml><?xml version="1.0" encoding="utf-8"?>
+<p:sld xmlns:a="http://schemas.openxmlformats.org/drawingml/2006/main" xmlns:r="http://schemas.openxmlformats.org/officeDocument/2006/relationships" xmlns:p="http://schemas.openxmlformats.org/presentationml/2006/main">
+  <p:cSld>
+    <p:spTree>
+      <p:nvGrpSpPr>
+        <p:cNvPr id="1" name=""/>
+        <p:cNvGrpSpPr/>
+        <p:nvPr/>
+      </p:nvGrpSpPr>
+      <p:grpSpPr>
+        <a:xfrm>
+          <a:off x="0" y="0"/>
+          <a:ext cx="0" cy="0"/>
+          <a:chOff x="0" y="0"/>
+          <a:chExt cx="0" cy="0"/>
+        </a:xfrm>
+      </p:grpSpPr>
+      <p:sp>
+        <p:nvSpPr>
+          <p:cNvPr id="2" name="제목 1">
+            <a:extLst>
+              <a:ext uri="{FF2B5EF4-FFF2-40B4-BE49-F238E27FC236}">
+                <a16:creationId xmlns:a16="http://schemas.microsoft.com/office/drawing/2014/main" id="{C20DC646-6FC9-7EF0-56EF-51B3EA64B389}"/>
+              </a:ext>
+            </a:extLst>
+          </p:cNvPr>
+          <p:cNvSpPr>
+            <a:spLocks noGrp="1"/>
+          </p:cNvSpPr>
+          <p:nvPr>
+            <p:ph type="title"/>
+          </p:nvPr>
+        </p:nvSpPr>
+        <p:spPr/>
+        <p:txBody>
+          <a:bodyPr/>
+          <a:lstStyle/>
+          <a:p>
+            <a:r>
+              <a:rPr lang="ko-KR" altLang="en-US" dirty="0" err="1"/>
+              <a:t>제한점</a:t>
+            </a:r>
+            <a:r>
+              <a:rPr lang="ko-KR" altLang="en-US" dirty="0"/>
+              <a:t> 및 향후목표</a:t>
+            </a:r>
+          </a:p>
+        </p:txBody>
+      </p:sp>
+      <p:sp>
+        <p:nvSpPr>
+          <p:cNvPr id="3" name="내용 개체 틀 2">
+            <a:extLst>
+              <a:ext uri="{FF2B5EF4-FFF2-40B4-BE49-F238E27FC236}">
+                <a16:creationId xmlns:a16="http://schemas.microsoft.com/office/drawing/2014/main" id="{97C35EF9-3311-AAC3-1C7E-FA8B5994508D}"/>
+              </a:ext>
+            </a:extLst>
+          </p:cNvPr>
+          <p:cNvSpPr>
+            <a:spLocks noGrp="1"/>
+          </p:cNvSpPr>
+          <p:nvPr>
+            <p:ph idx="1"/>
+          </p:nvPr>
+        </p:nvSpPr>
+        <p:spPr/>
+        <p:txBody>
+          <a:bodyPr/>
+          <a:lstStyle/>
+          <a:p>
+            <a:r>
+              <a:rPr lang="ko-KR" altLang="en-US" dirty="0"/>
+              <a:t>사진 저장</a:t>
+            </a:r>
+            <a:r>
+              <a:rPr lang="en-US" altLang="ko-KR" dirty="0"/>
+              <a:t>: </a:t>
+            </a:r>
+            <a:r>
+              <a:rPr lang="ko-KR" altLang="en-US" dirty="0"/>
+              <a:t>로컬 </a:t>
+            </a:r>
+            <a:r>
+              <a:rPr lang="en-US" altLang="ko-KR" dirty="0"/>
+              <a:t>vs. </a:t>
+            </a:r>
+            <a:r>
+              <a:rPr lang="ko-KR" altLang="en-US" dirty="0"/>
+              <a:t>서버</a:t>
+            </a:r>
+            <a:endParaRPr lang="en-US" altLang="ko-KR" dirty="0"/>
+          </a:p>
+          <a:p>
+            <a:r>
+              <a:rPr lang="ko-KR" altLang="en-US" dirty="0"/>
+              <a:t>결과 반환 동시 데이터 수집</a:t>
+            </a:r>
+          </a:p>
+        </p:txBody>
+      </p:sp>
+    </p:spTree>
+    <p:extLst>
+      <p:ext uri="{BB962C8B-B14F-4D97-AF65-F5344CB8AC3E}">
+        <p14:creationId xmlns:p14="http://schemas.microsoft.com/office/powerpoint/2010/main" val="1840119854"/>
       </p:ext>
     </p:extLst>
   </p:cSld>

--- a/발표 ppt.pptx
+++ b/발표 ppt.pptx
@@ -115,6 +115,11 @@
       </a:defRPr>
     </a:lvl9pPr>
   </p:defaultTextStyle>
+  <p:extLst>
+    <p:ext uri="{EFAFB233-063F-42B5-8137-9DF3F51BA10A}">
+      <p15:sldGuideLst xmlns:p15="http://schemas.microsoft.com/office/powerpoint/2012/main"/>
+    </p:ext>
+  </p:extLst>
 </p:presentation>
 </file>
 
@@ -200,7 +205,7 @@
           <a:p>
             <a:fld id="{1E15A2AB-4A0F-44CA-A060-133936A63941}" type="datetimeFigureOut">
               <a:rPr lang="ko-KR" altLang="en-US" smtClean="0"/>
-              <a:t>2023-06-16</a:t>
+              <a:t>2023-06-17</a:t>
             </a:fld>
             <a:endParaRPr lang="ko-KR" altLang="en-US"/>
           </a:p>
@@ -830,7 +835,7 @@
           <a:p>
             <a:fld id="{447A7DAD-4400-4F52-A173-5BA8A0361BEF}" type="datetimeFigureOut">
               <a:rPr lang="ko-KR" altLang="en-US" smtClean="0"/>
-              <a:t>2023-06-16</a:t>
+              <a:t>2023-06-17</a:t>
             </a:fld>
             <a:endParaRPr lang="ko-KR" altLang="en-US"/>
           </a:p>
@@ -1028,7 +1033,7 @@
           <a:p>
             <a:fld id="{447A7DAD-4400-4F52-A173-5BA8A0361BEF}" type="datetimeFigureOut">
               <a:rPr lang="ko-KR" altLang="en-US" smtClean="0"/>
-              <a:t>2023-06-16</a:t>
+              <a:t>2023-06-17</a:t>
             </a:fld>
             <a:endParaRPr lang="ko-KR" altLang="en-US"/>
           </a:p>
@@ -1236,7 +1241,7 @@
           <a:p>
             <a:fld id="{447A7DAD-4400-4F52-A173-5BA8A0361BEF}" type="datetimeFigureOut">
               <a:rPr lang="ko-KR" altLang="en-US" smtClean="0"/>
-              <a:t>2023-06-16</a:t>
+              <a:t>2023-06-17</a:t>
             </a:fld>
             <a:endParaRPr lang="ko-KR" altLang="en-US"/>
           </a:p>
@@ -1434,7 +1439,7 @@
           <a:p>
             <a:fld id="{447A7DAD-4400-4F52-A173-5BA8A0361BEF}" type="datetimeFigureOut">
               <a:rPr lang="ko-KR" altLang="en-US" smtClean="0"/>
-              <a:t>2023-06-16</a:t>
+              <a:t>2023-06-17</a:t>
             </a:fld>
             <a:endParaRPr lang="ko-KR" altLang="en-US"/>
           </a:p>
@@ -1709,7 +1714,7 @@
           <a:p>
             <a:fld id="{447A7DAD-4400-4F52-A173-5BA8A0361BEF}" type="datetimeFigureOut">
               <a:rPr lang="ko-KR" altLang="en-US" smtClean="0"/>
-              <a:t>2023-06-16</a:t>
+              <a:t>2023-06-17</a:t>
             </a:fld>
             <a:endParaRPr lang="ko-KR" altLang="en-US"/>
           </a:p>
@@ -1974,7 +1979,7 @@
           <a:p>
             <a:fld id="{447A7DAD-4400-4F52-A173-5BA8A0361BEF}" type="datetimeFigureOut">
               <a:rPr lang="ko-KR" altLang="en-US" smtClean="0"/>
-              <a:t>2023-06-16</a:t>
+              <a:t>2023-06-17</a:t>
             </a:fld>
             <a:endParaRPr lang="ko-KR" altLang="en-US"/>
           </a:p>
@@ -2386,7 +2391,7 @@
           <a:p>
             <a:fld id="{447A7DAD-4400-4F52-A173-5BA8A0361BEF}" type="datetimeFigureOut">
               <a:rPr lang="ko-KR" altLang="en-US" smtClean="0"/>
-              <a:t>2023-06-16</a:t>
+              <a:t>2023-06-17</a:t>
             </a:fld>
             <a:endParaRPr lang="ko-KR" altLang="en-US"/>
           </a:p>
@@ -2527,7 +2532,7 @@
           <a:p>
             <a:fld id="{447A7DAD-4400-4F52-A173-5BA8A0361BEF}" type="datetimeFigureOut">
               <a:rPr lang="ko-KR" altLang="en-US" smtClean="0"/>
-              <a:t>2023-06-16</a:t>
+              <a:t>2023-06-17</a:t>
             </a:fld>
             <a:endParaRPr lang="ko-KR" altLang="en-US"/>
           </a:p>
@@ -2640,7 +2645,7 @@
           <a:p>
             <a:fld id="{447A7DAD-4400-4F52-A173-5BA8A0361BEF}" type="datetimeFigureOut">
               <a:rPr lang="ko-KR" altLang="en-US" smtClean="0"/>
-              <a:t>2023-06-16</a:t>
+              <a:t>2023-06-17</a:t>
             </a:fld>
             <a:endParaRPr lang="ko-KR" altLang="en-US"/>
           </a:p>
@@ -2951,7 +2956,7 @@
           <a:p>
             <a:fld id="{447A7DAD-4400-4F52-A173-5BA8A0361BEF}" type="datetimeFigureOut">
               <a:rPr lang="ko-KR" altLang="en-US" smtClean="0"/>
-              <a:t>2023-06-16</a:t>
+              <a:t>2023-06-17</a:t>
             </a:fld>
             <a:endParaRPr lang="ko-KR" altLang="en-US"/>
           </a:p>
@@ -3239,7 +3244,7 @@
           <a:p>
             <a:fld id="{447A7DAD-4400-4F52-A173-5BA8A0361BEF}" type="datetimeFigureOut">
               <a:rPr lang="ko-KR" altLang="en-US" smtClean="0"/>
-              <a:t>2023-06-16</a:t>
+              <a:t>2023-06-17</a:t>
             </a:fld>
             <a:endParaRPr lang="ko-KR" altLang="en-US"/>
           </a:p>
@@ -3480,7 +3485,7 @@
           <a:p>
             <a:fld id="{447A7DAD-4400-4F52-A173-5BA8A0361BEF}" type="datetimeFigureOut">
               <a:rPr lang="ko-KR" altLang="en-US" smtClean="0"/>
-              <a:t>2023-06-16</a:t>
+              <a:t>2023-06-17</a:t>
             </a:fld>
             <a:endParaRPr lang="ko-KR" altLang="en-US"/>
           </a:p>

--- a/발표 ppt.pptx
+++ b/발표 ppt.pptx
@@ -5,18 +5,16 @@
     <p:sldMasterId id="2147483648" r:id="rId1"/>
   </p:sldMasterIdLst>
   <p:notesMasterIdLst>
-    <p:notesMasterId r:id="rId11"/>
+    <p:notesMasterId r:id="rId9"/>
   </p:notesMasterIdLst>
   <p:sldIdLst>
-    <p:sldId id="262" r:id="rId2"/>
+    <p:sldId id="270" r:id="rId2"/>
     <p:sldId id="257" r:id="rId3"/>
-    <p:sldId id="258" r:id="rId4"/>
-    <p:sldId id="260" r:id="rId5"/>
-    <p:sldId id="261" r:id="rId6"/>
-    <p:sldId id="263" r:id="rId7"/>
-    <p:sldId id="264" r:id="rId8"/>
-    <p:sldId id="256" r:id="rId9"/>
-    <p:sldId id="265" r:id="rId10"/>
+    <p:sldId id="260" r:id="rId4"/>
+    <p:sldId id="269" r:id="rId5"/>
+    <p:sldId id="275" r:id="rId6"/>
+    <p:sldId id="277" r:id="rId7"/>
+    <p:sldId id="280" r:id="rId8"/>
   </p:sldIdLst>
   <p:sldSz cx="12192000" cy="6858000"/>
   <p:notesSz cx="6858000" cy="9144000"/>
@@ -205,7 +203,7 @@
           <a:p>
             <a:fld id="{1E15A2AB-4A0F-44CA-A060-133936A63941}" type="datetimeFigureOut">
               <a:rPr lang="ko-KR" altLang="en-US" smtClean="0"/>
-              <a:t>2023-06-17</a:t>
+              <a:t>2023-06-19</a:t>
             </a:fld>
             <a:endParaRPr lang="ko-KR" altLang="en-US"/>
           </a:p>
@@ -516,6 +514,54 @@
           <a:bodyPr/>
           <a:lstStyle/>
           <a:p>
+            <a:pPr lvl="1"/>
+            <a:r>
+              <a:rPr lang="ko-KR" altLang="en-US" dirty="0"/>
+              <a:t>앉은 자세</a:t>
+            </a:r>
+            <a:r>
+              <a:rPr lang="en-US" altLang="ko-KR" dirty="0"/>
+              <a:t>: </a:t>
+            </a:r>
+            <a:r>
+              <a:rPr lang="ko-KR" altLang="en-US" dirty="0" err="1"/>
+              <a:t>거북목</a:t>
+            </a:r>
+            <a:r>
+              <a:rPr lang="en-US" altLang="ko-KR" dirty="0"/>
+              <a:t>, </a:t>
+            </a:r>
+            <a:r>
+              <a:rPr lang="ko-KR" altLang="en-US" dirty="0" err="1"/>
+              <a:t>편평등</a:t>
+            </a:r>
+            <a:r>
+              <a:rPr lang="en-US" altLang="ko-KR" dirty="0"/>
+              <a:t>, </a:t>
+            </a:r>
+            <a:r>
+              <a:rPr lang="ko-KR" altLang="en-US" dirty="0" err="1"/>
+              <a:t>골반비대칭</a:t>
+            </a:r>
+            <a:r>
+              <a:rPr lang="en-US" altLang="ko-KR" dirty="0"/>
+              <a:t>,</a:t>
+            </a:r>
+            <a:r>
+              <a:rPr lang="ko-KR" altLang="en-US" dirty="0"/>
+              <a:t> </a:t>
+            </a:r>
+            <a:r>
+              <a:rPr lang="ko-KR" altLang="en-US" dirty="0" err="1"/>
+              <a:t>승모근</a:t>
+            </a:r>
+            <a:r>
+              <a:rPr lang="ko-KR" altLang="en-US" dirty="0"/>
+              <a:t> 통증 등</a:t>
+            </a:r>
+            <a:endParaRPr lang="en-US" altLang="ko-KR" dirty="0"/>
+          </a:p>
+          <a:p>
             <a:endParaRPr lang="ko-KR" altLang="en-US" dirty="0"/>
           </a:p>
         </p:txBody>
@@ -538,138 +584,6 @@
             <a:fld id="{5A7E5D9C-B733-491C-B44D-484910353240}" type="slidenum">
               <a:rPr lang="ko-KR" altLang="en-US" smtClean="0"/>
               <a:t>3</a:t>
-            </a:fld>
-            <a:endParaRPr lang="ko-KR" altLang="en-US"/>
-          </a:p>
-        </p:txBody>
-      </p:sp>
-    </p:spTree>
-    <p:extLst>
-      <p:ext uri="{BB962C8B-B14F-4D97-AF65-F5344CB8AC3E}">
-        <p14:creationId xmlns:p14="http://schemas.microsoft.com/office/powerpoint/2010/main" val="317554207"/>
-      </p:ext>
-    </p:extLst>
-  </p:cSld>
-  <p:clrMapOvr>
-    <a:masterClrMapping/>
-  </p:clrMapOvr>
-</p:notes>
-</file>
-
-<file path=ppt/notesSlides/notesSlide2.xml><?xml version="1.0" encoding="utf-8"?>
-<p:notes xmlns:a="http://schemas.openxmlformats.org/drawingml/2006/main" xmlns:r="http://schemas.openxmlformats.org/officeDocument/2006/relationships" xmlns:p="http://schemas.openxmlformats.org/presentationml/2006/main">
-  <p:cSld>
-    <p:spTree>
-      <p:nvGrpSpPr>
-        <p:cNvPr id="1" name=""/>
-        <p:cNvGrpSpPr/>
-        <p:nvPr/>
-      </p:nvGrpSpPr>
-      <p:grpSpPr>
-        <a:xfrm>
-          <a:off x="0" y="0"/>
-          <a:ext cx="0" cy="0"/>
-          <a:chOff x="0" y="0"/>
-          <a:chExt cx="0" cy="0"/>
-        </a:xfrm>
-      </p:grpSpPr>
-      <p:sp>
-        <p:nvSpPr>
-          <p:cNvPr id="2" name="슬라이드 이미지 개체 틀 1"/>
-          <p:cNvSpPr>
-            <a:spLocks noGrp="1" noRot="1" noChangeAspect="1"/>
-          </p:cNvSpPr>
-          <p:nvPr>
-            <p:ph type="sldImg"/>
-          </p:nvPr>
-        </p:nvSpPr>
-        <p:spPr/>
-      </p:sp>
-      <p:sp>
-        <p:nvSpPr>
-          <p:cNvPr id="3" name="슬라이드 노트 개체 틀 2"/>
-          <p:cNvSpPr>
-            <a:spLocks noGrp="1"/>
-          </p:cNvSpPr>
-          <p:nvPr>
-            <p:ph type="body" idx="1"/>
-          </p:nvPr>
-        </p:nvSpPr>
-        <p:spPr/>
-        <p:txBody>
-          <a:bodyPr/>
-          <a:lstStyle/>
-          <a:p>
-            <a:pPr lvl="1"/>
-            <a:r>
-              <a:rPr lang="ko-KR" altLang="en-US" dirty="0"/>
-              <a:t>앉은 자세</a:t>
-            </a:r>
-            <a:r>
-              <a:rPr lang="en-US" altLang="ko-KR" dirty="0"/>
-              <a:t>: </a:t>
-            </a:r>
-            <a:r>
-              <a:rPr lang="ko-KR" altLang="en-US" dirty="0" err="1"/>
-              <a:t>거북목</a:t>
-            </a:r>
-            <a:r>
-              <a:rPr lang="en-US" altLang="ko-KR" dirty="0"/>
-              <a:t>, </a:t>
-            </a:r>
-            <a:r>
-              <a:rPr lang="ko-KR" altLang="en-US" dirty="0" err="1"/>
-              <a:t>편평등</a:t>
-            </a:r>
-            <a:r>
-              <a:rPr lang="en-US" altLang="ko-KR" dirty="0"/>
-              <a:t>, </a:t>
-            </a:r>
-            <a:r>
-              <a:rPr lang="ko-KR" altLang="en-US" dirty="0" err="1"/>
-              <a:t>골반비대칭</a:t>
-            </a:r>
-            <a:r>
-              <a:rPr lang="en-US" altLang="ko-KR" dirty="0"/>
-              <a:t>,</a:t>
-            </a:r>
-            <a:r>
-              <a:rPr lang="ko-KR" altLang="en-US" dirty="0"/>
-              <a:t> </a:t>
-            </a:r>
-            <a:r>
-              <a:rPr lang="ko-KR" altLang="en-US" dirty="0" err="1"/>
-              <a:t>승모근</a:t>
-            </a:r>
-            <a:r>
-              <a:rPr lang="ko-KR" altLang="en-US" dirty="0"/>
-              <a:t> 통증 등</a:t>
-            </a:r>
-            <a:endParaRPr lang="en-US" altLang="ko-KR" dirty="0"/>
-          </a:p>
-          <a:p>
-            <a:endParaRPr lang="ko-KR" altLang="en-US" dirty="0"/>
-          </a:p>
-        </p:txBody>
-      </p:sp>
-      <p:sp>
-        <p:nvSpPr>
-          <p:cNvPr id="4" name="슬라이드 번호 개체 틀 3"/>
-          <p:cNvSpPr>
-            <a:spLocks noGrp="1"/>
-          </p:cNvSpPr>
-          <p:nvPr>
-            <p:ph type="sldNum" sz="quarter" idx="5"/>
-          </p:nvPr>
-        </p:nvSpPr>
-        <p:spPr/>
-        <p:txBody>
-          <a:bodyPr/>
-          <a:lstStyle/>
-          <a:p>
-            <a:fld id="{5A7E5D9C-B733-491C-B44D-484910353240}" type="slidenum">
-              <a:rPr lang="ko-KR" altLang="en-US" smtClean="0"/>
-              <a:t>4</a:t>
             </a:fld>
             <a:endParaRPr lang="ko-KR" altLang="en-US"/>
           </a:p>
@@ -835,7 +749,7 @@
           <a:p>
             <a:fld id="{447A7DAD-4400-4F52-A173-5BA8A0361BEF}" type="datetimeFigureOut">
               <a:rPr lang="ko-KR" altLang="en-US" smtClean="0"/>
-              <a:t>2023-06-17</a:t>
+              <a:t>2023-06-19</a:t>
             </a:fld>
             <a:endParaRPr lang="ko-KR" altLang="en-US"/>
           </a:p>
@@ -1033,7 +947,7 @@
           <a:p>
             <a:fld id="{447A7DAD-4400-4F52-A173-5BA8A0361BEF}" type="datetimeFigureOut">
               <a:rPr lang="ko-KR" altLang="en-US" smtClean="0"/>
-              <a:t>2023-06-17</a:t>
+              <a:t>2023-06-19</a:t>
             </a:fld>
             <a:endParaRPr lang="ko-KR" altLang="en-US"/>
           </a:p>
@@ -1241,7 +1155,7 @@
           <a:p>
             <a:fld id="{447A7DAD-4400-4F52-A173-5BA8A0361BEF}" type="datetimeFigureOut">
               <a:rPr lang="ko-KR" altLang="en-US" smtClean="0"/>
-              <a:t>2023-06-17</a:t>
+              <a:t>2023-06-19</a:t>
             </a:fld>
             <a:endParaRPr lang="ko-KR" altLang="en-US"/>
           </a:p>
@@ -1439,7 +1353,7 @@
           <a:p>
             <a:fld id="{447A7DAD-4400-4F52-A173-5BA8A0361BEF}" type="datetimeFigureOut">
               <a:rPr lang="ko-KR" altLang="en-US" smtClean="0"/>
-              <a:t>2023-06-17</a:t>
+              <a:t>2023-06-19</a:t>
             </a:fld>
             <a:endParaRPr lang="ko-KR" altLang="en-US"/>
           </a:p>
@@ -1714,7 +1628,7 @@
           <a:p>
             <a:fld id="{447A7DAD-4400-4F52-A173-5BA8A0361BEF}" type="datetimeFigureOut">
               <a:rPr lang="ko-KR" altLang="en-US" smtClean="0"/>
-              <a:t>2023-06-17</a:t>
+              <a:t>2023-06-19</a:t>
             </a:fld>
             <a:endParaRPr lang="ko-KR" altLang="en-US"/>
           </a:p>
@@ -1979,7 +1893,7 @@
           <a:p>
             <a:fld id="{447A7DAD-4400-4F52-A173-5BA8A0361BEF}" type="datetimeFigureOut">
               <a:rPr lang="ko-KR" altLang="en-US" smtClean="0"/>
-              <a:t>2023-06-17</a:t>
+              <a:t>2023-06-19</a:t>
             </a:fld>
             <a:endParaRPr lang="ko-KR" altLang="en-US"/>
           </a:p>
@@ -2391,7 +2305,7 @@
           <a:p>
             <a:fld id="{447A7DAD-4400-4F52-A173-5BA8A0361BEF}" type="datetimeFigureOut">
               <a:rPr lang="ko-KR" altLang="en-US" smtClean="0"/>
-              <a:t>2023-06-17</a:t>
+              <a:t>2023-06-19</a:t>
             </a:fld>
             <a:endParaRPr lang="ko-KR" altLang="en-US"/>
           </a:p>
@@ -2532,7 +2446,7 @@
           <a:p>
             <a:fld id="{447A7DAD-4400-4F52-A173-5BA8A0361BEF}" type="datetimeFigureOut">
               <a:rPr lang="ko-KR" altLang="en-US" smtClean="0"/>
-              <a:t>2023-06-17</a:t>
+              <a:t>2023-06-19</a:t>
             </a:fld>
             <a:endParaRPr lang="ko-KR" altLang="en-US"/>
           </a:p>
@@ -2645,7 +2559,7 @@
           <a:p>
             <a:fld id="{447A7DAD-4400-4F52-A173-5BA8A0361BEF}" type="datetimeFigureOut">
               <a:rPr lang="ko-KR" altLang="en-US" smtClean="0"/>
-              <a:t>2023-06-17</a:t>
+              <a:t>2023-06-19</a:t>
             </a:fld>
             <a:endParaRPr lang="ko-KR" altLang="en-US"/>
           </a:p>
@@ -2956,7 +2870,7 @@
           <a:p>
             <a:fld id="{447A7DAD-4400-4F52-A173-5BA8A0361BEF}" type="datetimeFigureOut">
               <a:rPr lang="ko-KR" altLang="en-US" smtClean="0"/>
-              <a:t>2023-06-17</a:t>
+              <a:t>2023-06-19</a:t>
             </a:fld>
             <a:endParaRPr lang="ko-KR" altLang="en-US"/>
           </a:p>
@@ -3244,7 +3158,7 @@
           <a:p>
             <a:fld id="{447A7DAD-4400-4F52-A173-5BA8A0361BEF}" type="datetimeFigureOut">
               <a:rPr lang="ko-KR" altLang="en-US" smtClean="0"/>
-              <a:t>2023-06-17</a:t>
+              <a:t>2023-06-19</a:t>
             </a:fld>
             <a:endParaRPr lang="ko-KR" altLang="en-US"/>
           </a:p>
@@ -3485,7 +3399,7 @@
           <a:p>
             <a:fld id="{447A7DAD-4400-4F52-A173-5BA8A0361BEF}" type="datetimeFigureOut">
               <a:rPr lang="ko-KR" altLang="en-US" smtClean="0"/>
-              <a:t>2023-06-17</a:t>
+              <a:t>2023-06-19</a:t>
             </a:fld>
             <a:endParaRPr lang="ko-KR" altLang="en-US"/>
           </a:p>
@@ -3907,85 +3821,204 @@
           <p:cNvPr id="2" name="제목 1">
             <a:extLst>
               <a:ext uri="{FF2B5EF4-FFF2-40B4-BE49-F238E27FC236}">
-                <a16:creationId xmlns:a16="http://schemas.microsoft.com/office/drawing/2014/main" id="{9C643BDC-C629-1C8F-6396-867A721E273B}"/>
-              </a:ext>
-            </a:extLst>
-          </p:cNvPr>
-          <p:cNvSpPr>
-            <a:spLocks noGrp="1"/>
-          </p:cNvSpPr>
-          <p:nvPr>
-            <p:ph type="title"/>
-          </p:nvPr>
-        </p:nvSpPr>
-        <p:spPr/>
+                <a16:creationId xmlns:a16="http://schemas.microsoft.com/office/drawing/2014/main" id="{A55ED1F0-3BCF-C4D4-58B4-DB0CF9024E92}"/>
+              </a:ext>
+            </a:extLst>
+          </p:cNvPr>
+          <p:cNvSpPr>
+            <a:spLocks noGrp="1"/>
+          </p:cNvSpPr>
+          <p:nvPr>
+            <p:ph type="ctrTitle"/>
+          </p:nvPr>
+        </p:nvSpPr>
+        <p:spPr>
+          <a:xfrm>
+            <a:off x="982980" y="1927606"/>
+            <a:ext cx="10226040" cy="903923"/>
+          </a:xfrm>
+        </p:spPr>
+        <p:txBody>
+          <a:bodyPr>
+            <a:normAutofit/>
+          </a:bodyPr>
+          <a:lstStyle/>
+          <a:p>
+            <a:pPr algn="ctr"/>
+            <a:r>
+              <a:rPr lang="ko-KR" altLang="en-US" sz="5400" dirty="0"/>
+              <a:t>책상</a:t>
+            </a:r>
+            <a:r>
+              <a:rPr lang="en-US" altLang="ko-KR" sz="5400" dirty="0"/>
+              <a:t> </a:t>
+            </a:r>
+            <a:r>
+              <a:rPr lang="ko-KR" altLang="en-US" sz="5400" dirty="0"/>
+              <a:t>앉은 자세 분류기</a:t>
+            </a:r>
+          </a:p>
+        </p:txBody>
+      </p:sp>
+      <p:sp>
+        <p:nvSpPr>
+          <p:cNvPr id="3" name="부제목 2">
+            <a:extLst>
+              <a:ext uri="{FF2B5EF4-FFF2-40B4-BE49-F238E27FC236}">
+                <a16:creationId xmlns:a16="http://schemas.microsoft.com/office/drawing/2014/main" id="{5803D552-7E72-A445-BC29-6FF6C1F221B7}"/>
+              </a:ext>
+            </a:extLst>
+          </p:cNvPr>
+          <p:cNvSpPr>
+            <a:spLocks noGrp="1"/>
+          </p:cNvSpPr>
+          <p:nvPr>
+            <p:ph type="subTitle" idx="1"/>
+          </p:nvPr>
+        </p:nvSpPr>
+        <p:spPr>
+          <a:xfrm>
+            <a:off x="1524000" y="4329683"/>
+            <a:ext cx="9144000" cy="1010601"/>
+          </a:xfrm>
+        </p:spPr>
         <p:txBody>
           <a:bodyPr/>
           <a:lstStyle/>
           <a:p>
             <a:r>
+              <a:rPr lang="en-US" altLang="ko-KR" dirty="0"/>
+              <a:t>2023-06-19 </a:t>
+            </a:r>
+            <a:r>
               <a:rPr lang="ko-KR" altLang="en-US" dirty="0"/>
-              <a:t>목차</a:t>
-            </a:r>
-          </a:p>
-        </p:txBody>
-      </p:sp>
-      <p:sp>
-        <p:nvSpPr>
-          <p:cNvPr id="3" name="내용 개체 틀 2">
-            <a:extLst>
-              <a:ext uri="{FF2B5EF4-FFF2-40B4-BE49-F238E27FC236}">
-                <a16:creationId xmlns:a16="http://schemas.microsoft.com/office/drawing/2014/main" id="{8BB943B8-6CE4-8DFC-00AA-FD22F864E167}"/>
-              </a:ext>
-            </a:extLst>
-          </p:cNvPr>
-          <p:cNvSpPr>
-            <a:spLocks noGrp="1"/>
-          </p:cNvSpPr>
-          <p:nvPr>
-            <p:ph idx="1"/>
-          </p:nvPr>
-        </p:nvSpPr>
-        <p:spPr/>
-        <p:txBody>
-          <a:bodyPr/>
-          <a:lstStyle/>
-          <a:p>
-            <a:r>
-              <a:rPr lang="ko-KR" altLang="en-US" dirty="0"/>
-              <a:t>제작 목적</a:t>
-            </a:r>
-            <a:endParaRPr lang="en-US" altLang="ko-KR" dirty="0"/>
-          </a:p>
-          <a:p>
-            <a:r>
-              <a:rPr lang="ko-KR" altLang="en-US" dirty="0"/>
-              <a:t>데이터 수집 과정</a:t>
-            </a:r>
-            <a:endParaRPr lang="en-US" altLang="ko-KR" dirty="0"/>
-          </a:p>
-          <a:p>
-            <a:r>
-              <a:rPr lang="ko-KR" altLang="en-US" dirty="0"/>
-              <a:t>모델 학습 및 웹 시연</a:t>
-            </a:r>
-            <a:endParaRPr lang="en-US" altLang="ko-KR" dirty="0"/>
-          </a:p>
-          <a:p>
-            <a:r>
-              <a:rPr lang="ko-KR" altLang="en-US" dirty="0"/>
-              <a:t>대시보드</a:t>
-            </a:r>
-            <a:endParaRPr lang="en-US" altLang="ko-KR" dirty="0"/>
-          </a:p>
-          <a:p>
-            <a:r>
-              <a:rPr lang="ko-KR" altLang="en-US" dirty="0" err="1"/>
-              <a:t>제한점</a:t>
-            </a:r>
-            <a:r>
-              <a:rPr lang="ko-KR" altLang="en-US" dirty="0"/>
-              <a:t> 및 향후목표</a:t>
+              <a:t>양진모</a:t>
+            </a:r>
+          </a:p>
+        </p:txBody>
+      </p:sp>
+      <p:sp>
+        <p:nvSpPr>
+          <p:cNvPr id="4" name="사각형: 둥근 모서리 3">
+            <a:extLst>
+              <a:ext uri="{FF2B5EF4-FFF2-40B4-BE49-F238E27FC236}">
+                <a16:creationId xmlns:a16="http://schemas.microsoft.com/office/drawing/2014/main" id="{7BA85ECA-712A-C5DE-DA1C-316BFAAE4E17}"/>
+              </a:ext>
+            </a:extLst>
+          </p:cNvPr>
+          <p:cNvSpPr/>
+          <p:nvPr/>
+        </p:nvSpPr>
+        <p:spPr>
+          <a:xfrm>
+            <a:off x="830580" y="929640"/>
+            <a:ext cx="10530840" cy="4805997"/>
+          </a:xfrm>
+          <a:prstGeom prst="roundRect">
+            <a:avLst/>
+          </a:prstGeom>
+          <a:noFill/>
+          <a:ln w="269875">
+            <a:solidFill>
+              <a:schemeClr val="accent1"/>
+            </a:solidFill>
+          </a:ln>
+        </p:spPr>
+        <p:style>
+          <a:lnRef idx="2">
+            <a:schemeClr val="accent1">
+              <a:shade val="50000"/>
+            </a:schemeClr>
+          </a:lnRef>
+          <a:fillRef idx="1">
+            <a:schemeClr val="accent1"/>
+          </a:fillRef>
+          <a:effectRef idx="0">
+            <a:schemeClr val="accent1"/>
+          </a:effectRef>
+          <a:fontRef idx="minor">
+            <a:schemeClr val="lt1"/>
+          </a:fontRef>
+        </p:style>
+        <p:txBody>
+          <a:bodyPr rtlCol="0" anchor="ctr"/>
+          <a:lstStyle/>
+          <a:p>
+            <a:pPr algn="ctr"/>
+            <a:endParaRPr lang="ko-KR" altLang="en-US"/>
+          </a:p>
+        </p:txBody>
+      </p:sp>
+      <p:cxnSp>
+        <p:nvCxnSpPr>
+          <p:cNvPr id="7" name="직선 연결선 6">
+            <a:extLst>
+              <a:ext uri="{FF2B5EF4-FFF2-40B4-BE49-F238E27FC236}">
+                <a16:creationId xmlns:a16="http://schemas.microsoft.com/office/drawing/2014/main" id="{1CD66D7E-59CA-AC86-DE60-935E5ED4A7B0}"/>
+              </a:ext>
+            </a:extLst>
+          </p:cNvPr>
+          <p:cNvCxnSpPr>
+            <a:cxnSpLocks/>
+          </p:cNvCxnSpPr>
+          <p:nvPr/>
+        </p:nvCxnSpPr>
+        <p:spPr>
+          <a:xfrm>
+            <a:off x="2456900" y="2981573"/>
+            <a:ext cx="7278200" cy="0"/>
+          </a:xfrm>
+          <a:prstGeom prst="line">
+            <a:avLst/>
+          </a:prstGeom>
+          <a:ln w="38100"/>
+        </p:spPr>
+        <p:style>
+          <a:lnRef idx="1">
+            <a:schemeClr val="accent1"/>
+          </a:lnRef>
+          <a:fillRef idx="0">
+            <a:schemeClr val="accent1"/>
+          </a:fillRef>
+          <a:effectRef idx="0">
+            <a:schemeClr val="accent1"/>
+          </a:effectRef>
+          <a:fontRef idx="minor">
+            <a:schemeClr val="tx1"/>
+          </a:fontRef>
+        </p:style>
+      </p:cxnSp>
+      <p:sp>
+        <p:nvSpPr>
+          <p:cNvPr id="6" name="TextBox 5">
+            <a:extLst>
+              <a:ext uri="{FF2B5EF4-FFF2-40B4-BE49-F238E27FC236}">
+                <a16:creationId xmlns:a16="http://schemas.microsoft.com/office/drawing/2014/main" id="{BE879F44-75BC-CE30-A02D-BECA5AECE9A1}"/>
+              </a:ext>
+            </a:extLst>
+          </p:cNvPr>
+          <p:cNvSpPr txBox="1"/>
+          <p:nvPr/>
+        </p:nvSpPr>
+        <p:spPr>
+          <a:xfrm>
+            <a:off x="4863130" y="3057386"/>
+            <a:ext cx="2465740" cy="523220"/>
+          </a:xfrm>
+          <a:prstGeom prst="rect">
+            <a:avLst/>
+          </a:prstGeom>
+          <a:noFill/>
+        </p:spPr>
+        <p:txBody>
+          <a:bodyPr wrap="none" rtlCol="0">
+            <a:spAutoFit/>
+          </a:bodyPr>
+          <a:lstStyle/>
+          <a:p>
+            <a:r>
+              <a:rPr lang="ko-KR" altLang="en-US" sz="2800" dirty="0"/>
+              <a:t>웹사이트 제작</a:t>
             </a:r>
           </a:p>
         </p:txBody>
@@ -3993,7 +4026,7 @@
     </p:spTree>
     <p:extLst>
       <p:ext uri="{BB962C8B-B14F-4D97-AF65-F5344CB8AC3E}">
-        <p14:creationId xmlns:p14="http://schemas.microsoft.com/office/powerpoint/2010/main" val="2434923304"/>
+        <p14:creationId xmlns:p14="http://schemas.microsoft.com/office/powerpoint/2010/main" val="1408390848"/>
       </p:ext>
     </p:extLst>
   </p:cSld>
@@ -4022,91 +4055,10 @@
       </p:grpSpPr>
       <p:sp>
         <p:nvSpPr>
-          <p:cNvPr id="2" name="제목 1">
-            <a:extLst>
-              <a:ext uri="{FF2B5EF4-FFF2-40B4-BE49-F238E27FC236}">
-                <a16:creationId xmlns:a16="http://schemas.microsoft.com/office/drawing/2014/main" id="{A55ED1F0-3BCF-C4D4-58B4-DB0CF9024E92}"/>
-              </a:ext>
-            </a:extLst>
-          </p:cNvPr>
-          <p:cNvSpPr>
-            <a:spLocks noGrp="1"/>
-          </p:cNvSpPr>
-          <p:nvPr>
-            <p:ph type="ctrTitle"/>
-          </p:nvPr>
-        </p:nvSpPr>
-        <p:spPr>
-          <a:xfrm>
-            <a:off x="982980" y="1927606"/>
-            <a:ext cx="10226040" cy="903923"/>
-          </a:xfrm>
-        </p:spPr>
-        <p:txBody>
-          <a:bodyPr>
-            <a:normAutofit/>
-          </a:bodyPr>
-          <a:lstStyle/>
-          <a:p>
-            <a:pPr algn="ctr"/>
-            <a:r>
-              <a:rPr lang="ko-KR" altLang="en-US" sz="5400" dirty="0"/>
-              <a:t>책상</a:t>
-            </a:r>
-            <a:r>
-              <a:rPr lang="en-US" altLang="ko-KR" sz="5400" dirty="0"/>
-              <a:t> </a:t>
-            </a:r>
-            <a:r>
-              <a:rPr lang="ko-KR" altLang="en-US" sz="5400" dirty="0"/>
-              <a:t>앉은 자세 분류기</a:t>
-            </a:r>
-          </a:p>
-        </p:txBody>
-      </p:sp>
-      <p:sp>
-        <p:nvSpPr>
-          <p:cNvPr id="3" name="부제목 2">
-            <a:extLst>
-              <a:ext uri="{FF2B5EF4-FFF2-40B4-BE49-F238E27FC236}">
-                <a16:creationId xmlns:a16="http://schemas.microsoft.com/office/drawing/2014/main" id="{5803D552-7E72-A445-BC29-6FF6C1F221B7}"/>
-              </a:ext>
-            </a:extLst>
-          </p:cNvPr>
-          <p:cNvSpPr>
-            <a:spLocks noGrp="1"/>
-          </p:cNvSpPr>
-          <p:nvPr>
-            <p:ph type="subTitle" idx="1"/>
-          </p:nvPr>
-        </p:nvSpPr>
-        <p:spPr>
-          <a:xfrm>
-            <a:off x="1524000" y="3643882"/>
-            <a:ext cx="9144000" cy="1010601"/>
-          </a:xfrm>
-        </p:spPr>
-        <p:txBody>
-          <a:bodyPr/>
-          <a:lstStyle/>
-          <a:p>
-            <a:r>
-              <a:rPr lang="en-US" altLang="ko-KR" dirty="0"/>
-              <a:t>2023-05-15 </a:t>
-            </a:r>
-            <a:r>
-              <a:rPr lang="ko-KR" altLang="en-US" dirty="0"/>
-              <a:t>양진모</a:t>
-            </a:r>
-          </a:p>
-        </p:txBody>
-      </p:sp>
-      <p:sp>
-        <p:nvSpPr>
-          <p:cNvPr id="4" name="사각형: 둥근 모서리 3">
-            <a:extLst>
-              <a:ext uri="{FF2B5EF4-FFF2-40B4-BE49-F238E27FC236}">
-                <a16:creationId xmlns:a16="http://schemas.microsoft.com/office/drawing/2014/main" id="{7BA85ECA-712A-C5DE-DA1C-316BFAAE4E17}"/>
+          <p:cNvPr id="4" name="직사각형 3">
+            <a:extLst>
+              <a:ext uri="{FF2B5EF4-FFF2-40B4-BE49-F238E27FC236}">
+                <a16:creationId xmlns:a16="http://schemas.microsoft.com/office/drawing/2014/main" id="{12869BB8-9665-0FBB-94EC-51EB5E1A9F32}"/>
               </a:ext>
             </a:extLst>
           </p:cNvPr>
@@ -4115,18 +4067,12 @@
         </p:nvSpPr>
         <p:spPr>
           <a:xfrm>
-            <a:off x="830580" y="929640"/>
-            <a:ext cx="10530840" cy="4805997"/>
-          </a:xfrm>
-          <a:prstGeom prst="roundRect">
+            <a:off x="-579120" y="-137160"/>
+            <a:ext cx="3550920" cy="7254240"/>
+          </a:xfrm>
+          <a:prstGeom prst="rect">
             <a:avLst/>
           </a:prstGeom>
-          <a:noFill/>
-          <a:ln w="269875">
-            <a:solidFill>
-              <a:schemeClr val="accent1"/>
-            </a:solidFill>
-          </a:ln>
         </p:spPr>
         <p:style>
           <a:lnRef idx="2">
@@ -4153,49 +4099,181 @@
           </a:p>
         </p:txBody>
       </p:sp>
-      <p:cxnSp>
-        <p:nvCxnSpPr>
-          <p:cNvPr id="7" name="직선 연결선 6">
-            <a:extLst>
-              <a:ext uri="{FF2B5EF4-FFF2-40B4-BE49-F238E27FC236}">
-                <a16:creationId xmlns:a16="http://schemas.microsoft.com/office/drawing/2014/main" id="{1CD66D7E-59CA-AC86-DE60-935E5ED4A7B0}"/>
-              </a:ext>
-            </a:extLst>
-          </p:cNvPr>
-          <p:cNvCxnSpPr>
-            <a:cxnSpLocks/>
-          </p:cNvCxnSpPr>
-          <p:nvPr/>
-        </p:nvCxnSpPr>
+      <p:sp>
+        <p:nvSpPr>
+          <p:cNvPr id="2" name="제목 1">
+            <a:extLst>
+              <a:ext uri="{FF2B5EF4-FFF2-40B4-BE49-F238E27FC236}">
+                <a16:creationId xmlns:a16="http://schemas.microsoft.com/office/drawing/2014/main" id="{BEF7FB3E-F5F3-2A28-5279-6803D324DB7D}"/>
+              </a:ext>
+            </a:extLst>
+          </p:cNvPr>
+          <p:cNvSpPr>
+            <a:spLocks noGrp="1"/>
+          </p:cNvSpPr>
+          <p:nvPr>
+            <p:ph type="title"/>
+          </p:nvPr>
+        </p:nvSpPr>
         <p:spPr>
           <a:xfrm>
-            <a:off x="2456900" y="2981573"/>
-            <a:ext cx="7278200" cy="0"/>
-          </a:xfrm>
-          <a:prstGeom prst="line">
-            <a:avLst/>
-          </a:prstGeom>
-          <a:ln w="38100"/>
-        </p:spPr>
-        <p:style>
-          <a:lnRef idx="1">
-            <a:schemeClr val="accent1"/>
-          </a:lnRef>
-          <a:fillRef idx="0">
-            <a:schemeClr val="accent1"/>
-          </a:fillRef>
-          <a:effectRef idx="0">
-            <a:schemeClr val="accent1"/>
-          </a:effectRef>
-          <a:fontRef idx="minor">
-            <a:schemeClr val="tx1"/>
-          </a:fontRef>
-        </p:style>
-      </p:cxnSp>
+            <a:off x="1196340" y="2827178"/>
+            <a:ext cx="10515600" cy="1325563"/>
+          </a:xfrm>
+        </p:spPr>
+        <p:txBody>
+          <a:bodyPr/>
+          <a:lstStyle/>
+          <a:p>
+            <a:r>
+              <a:rPr lang="ko-KR" altLang="en-US" dirty="0">
+                <a:solidFill>
+                  <a:schemeClr val="bg1"/>
+                </a:solidFill>
+              </a:rPr>
+              <a:t>목차</a:t>
+            </a:r>
+          </a:p>
+        </p:txBody>
+      </p:sp>
+      <p:sp>
+        <p:nvSpPr>
+          <p:cNvPr id="3" name="내용 개체 틀 2">
+            <a:extLst>
+              <a:ext uri="{FF2B5EF4-FFF2-40B4-BE49-F238E27FC236}">
+                <a16:creationId xmlns:a16="http://schemas.microsoft.com/office/drawing/2014/main" id="{D6B98F13-31AF-6C71-C45B-9BE0C7B355D9}"/>
+              </a:ext>
+            </a:extLst>
+          </p:cNvPr>
+          <p:cNvSpPr>
+            <a:spLocks noGrp="1"/>
+          </p:cNvSpPr>
+          <p:nvPr>
+            <p:ph idx="1"/>
+          </p:nvPr>
+        </p:nvSpPr>
+        <p:spPr>
+          <a:xfrm>
+            <a:off x="3867150" y="868680"/>
+            <a:ext cx="6949440" cy="5308283"/>
+          </a:xfrm>
+        </p:spPr>
+        <p:txBody>
+          <a:bodyPr>
+            <a:normAutofit/>
+          </a:bodyPr>
+          <a:lstStyle/>
+          <a:p>
+            <a:pPr>
+              <a:lnSpc>
+                <a:spcPct val="150000"/>
+              </a:lnSpc>
+              <a:buClr>
+                <a:schemeClr val="accent1"/>
+              </a:buClr>
+              <a:buFont typeface="Wingdings" panose="05000000000000000000" pitchFamily="2" charset="2"/>
+              <a:buChar char="§"/>
+            </a:pPr>
+            <a:r>
+              <a:rPr lang="ko-KR" altLang="en-US" dirty="0"/>
+              <a:t>올바른 자세의 중요성</a:t>
+            </a:r>
+            <a:endParaRPr lang="en-US" altLang="ko-KR" dirty="0"/>
+          </a:p>
+          <a:p>
+            <a:pPr>
+              <a:lnSpc>
+                <a:spcPct val="150000"/>
+              </a:lnSpc>
+              <a:buClr>
+                <a:schemeClr val="accent1"/>
+              </a:buClr>
+              <a:buFont typeface="Wingdings" panose="05000000000000000000" pitchFamily="2" charset="2"/>
+              <a:buChar char="§"/>
+            </a:pPr>
+            <a:r>
+              <a:rPr lang="ko-KR" altLang="en-US" dirty="0"/>
+              <a:t>웹사이트 제작 과정 및 요소</a:t>
+            </a:r>
+            <a:endParaRPr lang="en-US" altLang="ko-KR" dirty="0"/>
+          </a:p>
+          <a:p>
+            <a:pPr lvl="1">
+              <a:lnSpc>
+                <a:spcPct val="150000"/>
+              </a:lnSpc>
+              <a:buClr>
+                <a:schemeClr val="accent1"/>
+              </a:buClr>
+              <a:buFont typeface="Wingdings" panose="05000000000000000000" pitchFamily="2" charset="2"/>
+              <a:buChar char="§"/>
+            </a:pPr>
+            <a:r>
+              <a:rPr lang="ko-KR" altLang="en-US" dirty="0"/>
+              <a:t>데이터 수집</a:t>
+            </a:r>
+            <a:endParaRPr lang="en-US" altLang="ko-KR" dirty="0"/>
+          </a:p>
+          <a:p>
+            <a:pPr lvl="1">
+              <a:lnSpc>
+                <a:spcPct val="150000"/>
+              </a:lnSpc>
+              <a:buClr>
+                <a:schemeClr val="accent1"/>
+              </a:buClr>
+              <a:buFont typeface="Wingdings" panose="05000000000000000000" pitchFamily="2" charset="2"/>
+              <a:buChar char="§"/>
+            </a:pPr>
+            <a:r>
+              <a:rPr lang="ko-KR" altLang="en-US" dirty="0"/>
+              <a:t>애플리케이션 시연</a:t>
+            </a:r>
+            <a:endParaRPr lang="en-US" altLang="ko-KR" dirty="0"/>
+          </a:p>
+          <a:p>
+            <a:pPr lvl="1">
+              <a:lnSpc>
+                <a:spcPct val="150000"/>
+              </a:lnSpc>
+              <a:buClr>
+                <a:schemeClr val="accent1"/>
+              </a:buClr>
+              <a:buFont typeface="Wingdings" panose="05000000000000000000" pitchFamily="2" charset="2"/>
+              <a:buChar char="§"/>
+            </a:pPr>
+            <a:r>
+              <a:rPr lang="ko-KR" altLang="en-US" dirty="0"/>
+              <a:t>대시보드</a:t>
+            </a:r>
+            <a:endParaRPr lang="en-US" altLang="ko-KR" dirty="0"/>
+          </a:p>
+          <a:p>
+            <a:pPr>
+              <a:lnSpc>
+                <a:spcPct val="150000"/>
+              </a:lnSpc>
+              <a:buClr>
+                <a:schemeClr val="accent1"/>
+              </a:buClr>
+              <a:buFont typeface="Wingdings" panose="05000000000000000000" pitchFamily="2" charset="2"/>
+              <a:buChar char="§"/>
+            </a:pPr>
+            <a:r>
+              <a:rPr lang="ko-KR" altLang="en-US" dirty="0" err="1"/>
+              <a:t>제한점</a:t>
+            </a:r>
+            <a:r>
+              <a:rPr lang="ko-KR" altLang="en-US" dirty="0"/>
+              <a:t> 및 향후 목표</a:t>
+            </a:r>
+          </a:p>
+        </p:txBody>
+      </p:sp>
     </p:spTree>
     <p:extLst>
       <p:ext uri="{BB962C8B-B14F-4D97-AF65-F5344CB8AC3E}">
-        <p14:creationId xmlns:p14="http://schemas.microsoft.com/office/powerpoint/2010/main" val="1408390848"/>
+        <p14:creationId xmlns:p14="http://schemas.microsoft.com/office/powerpoint/2010/main" val="3201200776"/>
       </p:ext>
     </p:extLst>
   </p:cSld>
@@ -4224,10 +4302,10 @@
       </p:grpSpPr>
       <p:sp>
         <p:nvSpPr>
-          <p:cNvPr id="4" name="직사각형 3">
-            <a:extLst>
-              <a:ext uri="{FF2B5EF4-FFF2-40B4-BE49-F238E27FC236}">
-                <a16:creationId xmlns:a16="http://schemas.microsoft.com/office/drawing/2014/main" id="{6B550337-4199-F9FE-8CC5-A7E945581401}"/>
+          <p:cNvPr id="3" name="직사각형 2">
+            <a:extLst>
+              <a:ext uri="{FF2B5EF4-FFF2-40B4-BE49-F238E27FC236}">
+                <a16:creationId xmlns:a16="http://schemas.microsoft.com/office/drawing/2014/main" id="{7D258966-93CE-965D-11EE-876BC28935BC}"/>
               </a:ext>
             </a:extLst>
           </p:cNvPr>
@@ -4236,8 +4314,8 @@
         </p:nvSpPr>
         <p:spPr>
           <a:xfrm>
-            <a:off x="-777240" y="-106680"/>
-            <a:ext cx="14097000" cy="1676400"/>
+            <a:off x="0" y="0"/>
+            <a:ext cx="12192000" cy="1569720"/>
           </a:xfrm>
           <a:prstGeom prst="rect">
             <a:avLst/>
@@ -4273,292 +4351,6 @@
           <p:cNvPr id="2" name="제목 1">
             <a:extLst>
               <a:ext uri="{FF2B5EF4-FFF2-40B4-BE49-F238E27FC236}">
-                <a16:creationId xmlns:a16="http://schemas.microsoft.com/office/drawing/2014/main" id="{D948951D-E9F6-61B5-1A33-06F264860078}"/>
-              </a:ext>
-            </a:extLst>
-          </p:cNvPr>
-          <p:cNvSpPr>
-            <a:spLocks noGrp="1"/>
-          </p:cNvSpPr>
-          <p:nvPr>
-            <p:ph type="title"/>
-          </p:nvPr>
-        </p:nvSpPr>
-        <p:spPr/>
-        <p:txBody>
-          <a:bodyPr/>
-          <a:lstStyle/>
-          <a:p>
-            <a:r>
-              <a:rPr lang="ko-KR" altLang="en-US" dirty="0">
-                <a:solidFill>
-                  <a:schemeClr val="bg1"/>
-                </a:solidFill>
-              </a:rPr>
-              <a:t>올바른</a:t>
-            </a:r>
-            <a:r>
-              <a:rPr lang="en-US" altLang="ko-KR" dirty="0">
-                <a:solidFill>
-                  <a:schemeClr val="bg1"/>
-                </a:solidFill>
-              </a:rPr>
-              <a:t> </a:t>
-            </a:r>
-            <a:r>
-              <a:rPr lang="ko-KR" altLang="en-US" dirty="0">
-                <a:solidFill>
-                  <a:schemeClr val="bg1"/>
-                </a:solidFill>
-              </a:rPr>
-              <a:t>자세의 중요성</a:t>
-            </a:r>
-          </a:p>
-        </p:txBody>
-      </p:sp>
-      <p:grpSp>
-        <p:nvGrpSpPr>
-          <p:cNvPr id="9" name="그룹 8">
-            <a:extLst>
-              <a:ext uri="{FF2B5EF4-FFF2-40B4-BE49-F238E27FC236}">
-                <a16:creationId xmlns:a16="http://schemas.microsoft.com/office/drawing/2014/main" id="{A966F1DC-708C-6BC4-43E7-79AB5FB646D4}"/>
-              </a:ext>
-            </a:extLst>
-          </p:cNvPr>
-          <p:cNvGrpSpPr/>
-          <p:nvPr/>
-        </p:nvGrpSpPr>
-        <p:grpSpPr>
-          <a:xfrm>
-            <a:off x="3354214" y="2505802"/>
-            <a:ext cx="5483572" cy="3644419"/>
-            <a:chOff x="5343034" y="2392680"/>
-            <a:chExt cx="5483572" cy="3644419"/>
-          </a:xfrm>
-        </p:grpSpPr>
-        <p:sp>
-          <p:nvSpPr>
-            <p:cNvPr id="5" name="사각형: 둥근 모서리 4">
-              <a:extLst>
-                <a:ext uri="{FF2B5EF4-FFF2-40B4-BE49-F238E27FC236}">
-                  <a16:creationId xmlns:a16="http://schemas.microsoft.com/office/drawing/2014/main" id="{A175B8DF-A18B-33C1-EADF-203BBF61B509}"/>
-                </a:ext>
-              </a:extLst>
-            </p:cNvPr>
-            <p:cNvSpPr/>
-            <p:nvPr/>
-          </p:nvSpPr>
-          <p:spPr>
-            <a:xfrm>
-              <a:off x="5425440" y="2392680"/>
-              <a:ext cx="5318760" cy="3307080"/>
-            </a:xfrm>
-            <a:prstGeom prst="roundRect">
-              <a:avLst/>
-            </a:prstGeom>
-            <a:ln w="76200">
-              <a:solidFill>
-                <a:schemeClr val="accent1"/>
-              </a:solidFill>
-            </a:ln>
-          </p:spPr>
-          <p:style>
-            <a:lnRef idx="2">
-              <a:schemeClr val="dk1">
-                <a:shade val="50000"/>
-              </a:schemeClr>
-            </a:lnRef>
-            <a:fillRef idx="1">
-              <a:schemeClr val="dk1"/>
-            </a:fillRef>
-            <a:effectRef idx="0">
-              <a:schemeClr val="dk1"/>
-            </a:effectRef>
-            <a:fontRef idx="minor">
-              <a:schemeClr val="lt1"/>
-            </a:fontRef>
-          </p:style>
-          <p:txBody>
-            <a:bodyPr rtlCol="0" anchor="ctr"/>
-            <a:lstStyle/>
-            <a:p>
-              <a:pPr algn="ctr"/>
-              <a:endParaRPr lang="ko-KR" altLang="en-US"/>
-            </a:p>
-          </p:txBody>
-        </p:sp>
-        <p:pic>
-          <p:nvPicPr>
-            <p:cNvPr id="4098" name="Picture 2" descr="forward head">
-              <a:extLst>
-                <a:ext uri="{FF2B5EF4-FFF2-40B4-BE49-F238E27FC236}">
-                  <a16:creationId xmlns:a16="http://schemas.microsoft.com/office/drawing/2014/main" id="{1F4E9610-71D5-6D2D-A87F-8A3BD006A4F8}"/>
-                </a:ext>
-              </a:extLst>
-            </p:cNvPr>
-            <p:cNvPicPr>
-              <a:picLocks noChangeAspect="1" noChangeArrowheads="1"/>
-            </p:cNvPicPr>
-            <p:nvPr/>
-          </p:nvPicPr>
-          <p:blipFill>
-            <a:blip r:embed="rId3">
-              <a:extLst>
-                <a:ext uri="{28A0092B-C50C-407E-A947-70E740481C1C}">
-                  <a14:useLocalDpi xmlns:a14="http://schemas.microsoft.com/office/drawing/2010/main" val="0"/>
-                </a:ext>
-              </a:extLst>
-            </a:blip>
-            <a:srcRect/>
-            <a:stretch>
-              <a:fillRect/>
-            </a:stretch>
-          </p:blipFill>
-          <p:spPr bwMode="auto">
-            <a:xfrm>
-              <a:off x="5864439" y="2705894"/>
-              <a:ext cx="4514001" cy="2638377"/>
-            </a:xfrm>
-            <a:prstGeom prst="rect">
-              <a:avLst/>
-            </a:prstGeom>
-            <a:noFill/>
-            <a:extLst>
-              <a:ext uri="{909E8E84-426E-40DD-AFC4-6F175D3DCCD1}">
-                <a14:hiddenFill xmlns:a14="http://schemas.microsoft.com/office/drawing/2010/main">
-                  <a:solidFill>
-                    <a:srgbClr val="FFFFFF"/>
-                  </a:solidFill>
-                </a14:hiddenFill>
-              </a:ext>
-            </a:extLst>
-          </p:spPr>
-        </p:pic>
-        <p:sp>
-          <p:nvSpPr>
-            <p:cNvPr id="7" name="TextBox 6">
-              <a:extLst>
-                <a:ext uri="{FF2B5EF4-FFF2-40B4-BE49-F238E27FC236}">
-                  <a16:creationId xmlns:a16="http://schemas.microsoft.com/office/drawing/2014/main" id="{35144B61-0051-A202-5154-E0FCC67F7D16}"/>
-                </a:ext>
-              </a:extLst>
-            </p:cNvPr>
-            <p:cNvSpPr txBox="1"/>
-            <p:nvPr/>
-          </p:nvSpPr>
-          <p:spPr>
-            <a:xfrm>
-              <a:off x="5343034" y="5775489"/>
-              <a:ext cx="5483572" cy="261610"/>
-            </a:xfrm>
-            <a:prstGeom prst="rect">
-              <a:avLst/>
-            </a:prstGeom>
-            <a:noFill/>
-          </p:spPr>
-          <p:txBody>
-            <a:bodyPr wrap="square">
-              <a:spAutoFit/>
-            </a:bodyPr>
-            <a:lstStyle/>
-            <a:p>
-              <a:pPr algn="ctr"/>
-              <a:r>
-                <a:rPr lang="ko-KR" altLang="en-US" sz="1050" dirty="0">
-                  <a:solidFill>
-                    <a:schemeClr val="accent1">
-                      <a:lumMod val="20000"/>
-                      <a:lumOff val="80000"/>
-                    </a:schemeClr>
-                  </a:solidFill>
-                </a:rPr>
-                <a:t>http://www.kcchampionperformance.com/news/2016/4/7/does-bad-posture-back-pain</a:t>
-              </a:r>
-            </a:p>
-          </p:txBody>
-        </p:sp>
-      </p:grpSp>
-    </p:spTree>
-    <p:extLst>
-      <p:ext uri="{BB962C8B-B14F-4D97-AF65-F5344CB8AC3E}">
-        <p14:creationId xmlns:p14="http://schemas.microsoft.com/office/powerpoint/2010/main" val="2618485635"/>
-      </p:ext>
-    </p:extLst>
-  </p:cSld>
-  <p:clrMapOvr>
-    <a:masterClrMapping/>
-  </p:clrMapOvr>
-</p:sld>
-</file>
-
-<file path=ppt/slides/slide4.xml><?xml version="1.0" encoding="utf-8"?>
-<p:sld xmlns:a="http://schemas.openxmlformats.org/drawingml/2006/main" xmlns:r="http://schemas.openxmlformats.org/officeDocument/2006/relationships" xmlns:p="http://schemas.openxmlformats.org/presentationml/2006/main">
-  <p:cSld>
-    <p:spTree>
-      <p:nvGrpSpPr>
-        <p:cNvPr id="1" name=""/>
-        <p:cNvGrpSpPr/>
-        <p:nvPr/>
-      </p:nvGrpSpPr>
-      <p:grpSpPr>
-        <a:xfrm>
-          <a:off x="0" y="0"/>
-          <a:ext cx="0" cy="0"/>
-          <a:chOff x="0" y="0"/>
-          <a:chExt cx="0" cy="0"/>
-        </a:xfrm>
-      </p:grpSpPr>
-      <p:sp>
-        <p:nvSpPr>
-          <p:cNvPr id="4" name="직사각형 3">
-            <a:extLst>
-              <a:ext uri="{FF2B5EF4-FFF2-40B4-BE49-F238E27FC236}">
-                <a16:creationId xmlns:a16="http://schemas.microsoft.com/office/drawing/2014/main" id="{F22F6C5B-CA6A-B5BE-3B14-E9C6D44AF7AD}"/>
-              </a:ext>
-            </a:extLst>
-          </p:cNvPr>
-          <p:cNvSpPr/>
-          <p:nvPr/>
-        </p:nvSpPr>
-        <p:spPr>
-          <a:xfrm>
-            <a:off x="-777240" y="-106680"/>
-            <a:ext cx="14097000" cy="1676400"/>
-          </a:xfrm>
-          <a:prstGeom prst="rect">
-            <a:avLst/>
-          </a:prstGeom>
-        </p:spPr>
-        <p:style>
-          <a:lnRef idx="2">
-            <a:schemeClr val="accent1">
-              <a:shade val="50000"/>
-            </a:schemeClr>
-          </a:lnRef>
-          <a:fillRef idx="1">
-            <a:schemeClr val="accent1"/>
-          </a:fillRef>
-          <a:effectRef idx="0">
-            <a:schemeClr val="accent1"/>
-          </a:effectRef>
-          <a:fontRef idx="minor">
-            <a:schemeClr val="lt1"/>
-          </a:fontRef>
-        </p:style>
-        <p:txBody>
-          <a:bodyPr rtlCol="0" anchor="ctr"/>
-          <a:lstStyle/>
-          <a:p>
-            <a:pPr algn="ctr"/>
-            <a:endParaRPr lang="ko-KR" altLang="en-US"/>
-          </a:p>
-        </p:txBody>
-      </p:sp>
-      <p:sp>
-        <p:nvSpPr>
-          <p:cNvPr id="2" name="제목 1">
-            <a:extLst>
-              <a:ext uri="{FF2B5EF4-FFF2-40B4-BE49-F238E27FC236}">
                 <a16:creationId xmlns:a16="http://schemas.microsoft.com/office/drawing/2014/main" id="{B4815C6C-44F5-D421-A1D6-EDF393BCE9E8}"/>
               </a:ext>
             </a:extLst>
@@ -4600,7 +4392,7 @@
         </p:nvGrpSpPr>
         <p:grpSpPr>
           <a:xfrm>
-            <a:off x="1417320" y="2526332"/>
+            <a:off x="1417320" y="2051546"/>
             <a:ext cx="3581400" cy="2784970"/>
             <a:chOff x="1524000" y="2370852"/>
             <a:chExt cx="3581400" cy="2784970"/>
@@ -4798,7 +4590,7 @@
         </p:nvGrpSpPr>
         <p:grpSpPr>
           <a:xfrm>
-            <a:off x="6789420" y="2540987"/>
+            <a:off x="6789420" y="2066201"/>
             <a:ext cx="3840480" cy="2773680"/>
             <a:chOff x="6789420" y="2540987"/>
             <a:chExt cx="3840480" cy="2773680"/>
@@ -4965,7 +4757,7 @@
         </p:nvSpPr>
         <p:spPr>
           <a:xfrm>
-            <a:off x="1194435" y="5504118"/>
+            <a:off x="1194435" y="5029332"/>
             <a:ext cx="4027170" cy="646331"/>
           </a:xfrm>
           <a:prstGeom prst="rect">
@@ -5018,7 +4810,7 @@
         </p:nvSpPr>
         <p:spPr>
           <a:xfrm>
-            <a:off x="4949190" y="5489325"/>
+            <a:off x="4949190" y="5014539"/>
             <a:ext cx="7520940" cy="646331"/>
           </a:xfrm>
           <a:prstGeom prst="rect">
@@ -5065,10 +4857,1264 @@
           </a:p>
         </p:txBody>
       </p:sp>
+      <p:sp>
+        <p:nvSpPr>
+          <p:cNvPr id="5" name="TextBox 4">
+            <a:extLst>
+              <a:ext uri="{FF2B5EF4-FFF2-40B4-BE49-F238E27FC236}">
+                <a16:creationId xmlns:a16="http://schemas.microsoft.com/office/drawing/2014/main" id="{92086002-06C5-3220-9739-F0AC4E498838}"/>
+              </a:ext>
+            </a:extLst>
+          </p:cNvPr>
+          <p:cNvSpPr txBox="1"/>
+          <p:nvPr/>
+        </p:nvSpPr>
+        <p:spPr>
+          <a:xfrm>
+            <a:off x="4645923" y="6123543"/>
+            <a:ext cx="2900153" cy="369332"/>
+          </a:xfrm>
+          <a:prstGeom prst="rect">
+            <a:avLst/>
+          </a:prstGeom>
+          <a:noFill/>
+        </p:spPr>
+        <p:txBody>
+          <a:bodyPr wrap="none" rtlCol="0">
+            <a:spAutoFit/>
+          </a:bodyPr>
+          <a:lstStyle/>
+          <a:p>
+            <a:r>
+              <a:rPr lang="ko-KR" altLang="en-US" dirty="0">
+                <a:solidFill>
+                  <a:srgbClr val="FF0000"/>
+                </a:solidFill>
+              </a:rPr>
+              <a:t>통증</a:t>
+            </a:r>
+            <a:r>
+              <a:rPr lang="en-US" altLang="ko-KR" dirty="0">
+                <a:solidFill>
+                  <a:srgbClr val="FF0000"/>
+                </a:solidFill>
+              </a:rPr>
+              <a:t>, </a:t>
+            </a:r>
+            <a:r>
+              <a:rPr lang="ko-KR" altLang="en-US" dirty="0">
+                <a:solidFill>
+                  <a:srgbClr val="FF0000"/>
+                </a:solidFill>
+              </a:rPr>
+              <a:t>체형변형</a:t>
+            </a:r>
+            <a:r>
+              <a:rPr lang="en-US" altLang="ko-KR" dirty="0">
+                <a:solidFill>
+                  <a:srgbClr val="FF0000"/>
+                </a:solidFill>
+              </a:rPr>
+              <a:t>, (</a:t>
+            </a:r>
+            <a:r>
+              <a:rPr lang="ko-KR" altLang="en-US" dirty="0">
+                <a:solidFill>
+                  <a:srgbClr val="FF0000"/>
+                </a:solidFill>
+              </a:rPr>
+              <a:t>병원</a:t>
+            </a:r>
+            <a:r>
+              <a:rPr lang="en-US" altLang="ko-KR" dirty="0">
+                <a:solidFill>
+                  <a:srgbClr val="FF0000"/>
+                </a:solidFill>
+              </a:rPr>
+              <a:t>)</a:t>
+            </a:r>
+            <a:r>
+              <a:rPr lang="ko-KR" altLang="en-US" dirty="0">
+                <a:solidFill>
+                  <a:srgbClr val="FF0000"/>
+                </a:solidFill>
+              </a:rPr>
+              <a:t>내원</a:t>
+            </a:r>
+          </a:p>
+        </p:txBody>
+      </p:sp>
     </p:spTree>
     <p:extLst>
       <p:ext uri="{BB962C8B-B14F-4D97-AF65-F5344CB8AC3E}">
         <p14:creationId xmlns:p14="http://schemas.microsoft.com/office/powerpoint/2010/main" val="2951099812"/>
+      </p:ext>
+    </p:extLst>
+  </p:cSld>
+  <p:clrMapOvr>
+    <a:masterClrMapping/>
+  </p:clrMapOvr>
+</p:sld>
+</file>
+
+<file path=ppt/slides/slide4.xml><?xml version="1.0" encoding="utf-8"?>
+<p:sld xmlns:a="http://schemas.openxmlformats.org/drawingml/2006/main" xmlns:r="http://schemas.openxmlformats.org/officeDocument/2006/relationships" xmlns:p="http://schemas.openxmlformats.org/presentationml/2006/main">
+  <p:cSld>
+    <p:spTree>
+      <p:nvGrpSpPr>
+        <p:cNvPr id="1" name=""/>
+        <p:cNvGrpSpPr/>
+        <p:nvPr/>
+      </p:nvGrpSpPr>
+      <p:grpSpPr>
+        <a:xfrm>
+          <a:off x="0" y="0"/>
+          <a:ext cx="0" cy="0"/>
+          <a:chOff x="0" y="0"/>
+          <a:chExt cx="0" cy="0"/>
+        </a:xfrm>
+      </p:grpSpPr>
+      <p:sp>
+        <p:nvSpPr>
+          <p:cNvPr id="4" name="직사각형 3">
+            <a:extLst>
+              <a:ext uri="{FF2B5EF4-FFF2-40B4-BE49-F238E27FC236}">
+                <a16:creationId xmlns:a16="http://schemas.microsoft.com/office/drawing/2014/main" id="{50E6FE79-3720-D668-EE32-45A0D8BAE9BC}"/>
+              </a:ext>
+            </a:extLst>
+          </p:cNvPr>
+          <p:cNvSpPr/>
+          <p:nvPr/>
+        </p:nvSpPr>
+        <p:spPr>
+          <a:xfrm>
+            <a:off x="0" y="0"/>
+            <a:ext cx="12192000" cy="1569720"/>
+          </a:xfrm>
+          <a:prstGeom prst="rect">
+            <a:avLst/>
+          </a:prstGeom>
+        </p:spPr>
+        <p:style>
+          <a:lnRef idx="2">
+            <a:schemeClr val="accent1">
+              <a:shade val="50000"/>
+            </a:schemeClr>
+          </a:lnRef>
+          <a:fillRef idx="1">
+            <a:schemeClr val="accent1"/>
+          </a:fillRef>
+          <a:effectRef idx="0">
+            <a:schemeClr val="accent1"/>
+          </a:effectRef>
+          <a:fontRef idx="minor">
+            <a:schemeClr val="lt1"/>
+          </a:fontRef>
+        </p:style>
+        <p:txBody>
+          <a:bodyPr rtlCol="0" anchor="ctr"/>
+          <a:lstStyle/>
+          <a:p>
+            <a:pPr algn="ctr"/>
+            <a:endParaRPr lang="ko-KR" altLang="en-US"/>
+          </a:p>
+        </p:txBody>
+      </p:sp>
+      <p:sp>
+        <p:nvSpPr>
+          <p:cNvPr id="9" name="제목 1">
+            <a:extLst>
+              <a:ext uri="{FF2B5EF4-FFF2-40B4-BE49-F238E27FC236}">
+                <a16:creationId xmlns:a16="http://schemas.microsoft.com/office/drawing/2014/main" id="{33BB1B24-32EA-52CD-4469-BEAC12A0EAF5}"/>
+              </a:ext>
+            </a:extLst>
+          </p:cNvPr>
+          <p:cNvSpPr>
+            <a:spLocks noGrp="1"/>
+          </p:cNvSpPr>
+          <p:nvPr>
+            <p:ph type="title"/>
+          </p:nvPr>
+        </p:nvSpPr>
+        <p:spPr>
+          <a:xfrm>
+            <a:off x="838200" y="365125"/>
+            <a:ext cx="10515600" cy="1325563"/>
+          </a:xfrm>
+        </p:spPr>
+        <p:txBody>
+          <a:bodyPr/>
+          <a:lstStyle/>
+          <a:p>
+            <a:r>
+              <a:rPr lang="ko-KR" altLang="en-US" dirty="0">
+                <a:solidFill>
+                  <a:schemeClr val="bg1"/>
+                </a:solidFill>
+              </a:rPr>
+              <a:t>웹사이트 제작 과정</a:t>
+            </a:r>
+          </a:p>
+        </p:txBody>
+      </p:sp>
+      <p:sp>
+        <p:nvSpPr>
+          <p:cNvPr id="7" name="직사각형 6">
+            <a:extLst>
+              <a:ext uri="{FF2B5EF4-FFF2-40B4-BE49-F238E27FC236}">
+                <a16:creationId xmlns:a16="http://schemas.microsoft.com/office/drawing/2014/main" id="{473D3D3B-6E87-975F-423F-6786AED8EA55}"/>
+              </a:ext>
+            </a:extLst>
+          </p:cNvPr>
+          <p:cNvSpPr/>
+          <p:nvPr/>
+        </p:nvSpPr>
+        <p:spPr>
+          <a:xfrm>
+            <a:off x="3220075" y="2124071"/>
+            <a:ext cx="4710586" cy="1573347"/>
+          </a:xfrm>
+          <a:prstGeom prst="rect">
+            <a:avLst/>
+          </a:prstGeom>
+          <a:noFill/>
+          <a:ln>
+            <a:solidFill>
+              <a:schemeClr val="tx1"/>
+            </a:solidFill>
+            <a:prstDash val="dash"/>
+          </a:ln>
+        </p:spPr>
+        <p:style>
+          <a:lnRef idx="2">
+            <a:schemeClr val="accent1">
+              <a:shade val="15000"/>
+            </a:schemeClr>
+          </a:lnRef>
+          <a:fillRef idx="1">
+            <a:schemeClr val="accent1"/>
+          </a:fillRef>
+          <a:effectRef idx="0">
+            <a:schemeClr val="accent1"/>
+          </a:effectRef>
+          <a:fontRef idx="minor">
+            <a:schemeClr val="lt1"/>
+          </a:fontRef>
+        </p:style>
+        <p:txBody>
+          <a:bodyPr rtlCol="0" anchor="ctr"/>
+          <a:lstStyle/>
+          <a:p>
+            <a:pPr algn="ctr"/>
+            <a:endParaRPr lang="ko-KR" altLang="en-US"/>
+          </a:p>
+        </p:txBody>
+      </p:sp>
+      <p:cxnSp>
+        <p:nvCxnSpPr>
+          <p:cNvPr id="8" name="직선 화살표 연결선 7">
+            <a:extLst>
+              <a:ext uri="{FF2B5EF4-FFF2-40B4-BE49-F238E27FC236}">
+                <a16:creationId xmlns:a16="http://schemas.microsoft.com/office/drawing/2014/main" id="{92C35F7A-7B32-A4B0-4A5D-8A532281C224}"/>
+              </a:ext>
+            </a:extLst>
+          </p:cNvPr>
+          <p:cNvCxnSpPr>
+            <a:cxnSpLocks/>
+          </p:cNvCxnSpPr>
+          <p:nvPr/>
+        </p:nvCxnSpPr>
+        <p:spPr>
+          <a:xfrm>
+            <a:off x="4826977" y="2563001"/>
+            <a:ext cx="1448457" cy="151287"/>
+          </a:xfrm>
+          <a:prstGeom prst="straightConnector1">
+            <a:avLst/>
+          </a:prstGeom>
+          <a:ln w="57150">
+            <a:tailEnd type="triangle"/>
+          </a:ln>
+        </p:spPr>
+        <p:style>
+          <a:lnRef idx="1">
+            <a:schemeClr val="accent1"/>
+          </a:lnRef>
+          <a:fillRef idx="0">
+            <a:schemeClr val="accent1"/>
+          </a:fillRef>
+          <a:effectRef idx="0">
+            <a:schemeClr val="accent1"/>
+          </a:effectRef>
+          <a:fontRef idx="minor">
+            <a:schemeClr val="tx1"/>
+          </a:fontRef>
+        </p:style>
+      </p:cxnSp>
+      <p:cxnSp>
+        <p:nvCxnSpPr>
+          <p:cNvPr id="11" name="직선 화살표 연결선 10">
+            <a:extLst>
+              <a:ext uri="{FF2B5EF4-FFF2-40B4-BE49-F238E27FC236}">
+                <a16:creationId xmlns:a16="http://schemas.microsoft.com/office/drawing/2014/main" id="{89D2D4F0-78FE-01A6-8EE1-C7C1C34197F4}"/>
+              </a:ext>
+            </a:extLst>
+          </p:cNvPr>
+          <p:cNvCxnSpPr>
+            <a:cxnSpLocks/>
+          </p:cNvCxnSpPr>
+          <p:nvPr/>
+        </p:nvCxnSpPr>
+        <p:spPr>
+          <a:xfrm flipV="1">
+            <a:off x="4826977" y="3128250"/>
+            <a:ext cx="1448457" cy="179644"/>
+          </a:xfrm>
+          <a:prstGeom prst="straightConnector1">
+            <a:avLst/>
+          </a:prstGeom>
+          <a:ln w="57150">
+            <a:tailEnd type="triangle"/>
+          </a:ln>
+        </p:spPr>
+        <p:style>
+          <a:lnRef idx="1">
+            <a:schemeClr val="accent1"/>
+          </a:lnRef>
+          <a:fillRef idx="0">
+            <a:schemeClr val="accent1"/>
+          </a:fillRef>
+          <a:effectRef idx="0">
+            <a:schemeClr val="accent1"/>
+          </a:effectRef>
+          <a:fontRef idx="minor">
+            <a:schemeClr val="tx1"/>
+          </a:fontRef>
+        </p:style>
+      </p:cxnSp>
+      <p:sp>
+        <p:nvSpPr>
+          <p:cNvPr id="12" name="TextBox 11">
+            <a:extLst>
+              <a:ext uri="{FF2B5EF4-FFF2-40B4-BE49-F238E27FC236}">
+                <a16:creationId xmlns:a16="http://schemas.microsoft.com/office/drawing/2014/main" id="{00E9C364-1921-770F-912F-C9EEE5AE21F2}"/>
+              </a:ext>
+            </a:extLst>
+          </p:cNvPr>
+          <p:cNvSpPr txBox="1"/>
+          <p:nvPr/>
+        </p:nvSpPr>
+        <p:spPr>
+          <a:xfrm>
+            <a:off x="896814" y="2379576"/>
+            <a:ext cx="877163" cy="369332"/>
+          </a:xfrm>
+          <a:prstGeom prst="rect">
+            <a:avLst/>
+          </a:prstGeom>
+        </p:spPr>
+        <p:style>
+          <a:lnRef idx="2">
+            <a:schemeClr val="dk1"/>
+          </a:lnRef>
+          <a:fillRef idx="1">
+            <a:schemeClr val="lt1"/>
+          </a:fillRef>
+          <a:effectRef idx="0">
+            <a:schemeClr val="dk1"/>
+          </a:effectRef>
+          <a:fontRef idx="minor">
+            <a:schemeClr val="dk1"/>
+          </a:fontRef>
+        </p:style>
+        <p:txBody>
+          <a:bodyPr wrap="none" rtlCol="0">
+            <a:spAutoFit/>
+          </a:bodyPr>
+          <a:lstStyle/>
+          <a:p>
+            <a:pPr algn="ctr"/>
+            <a:r>
+              <a:rPr lang="ko-KR" altLang="en-US" dirty="0"/>
+              <a:t>데이터</a:t>
+            </a:r>
+          </a:p>
+        </p:txBody>
+      </p:sp>
+      <p:sp>
+        <p:nvSpPr>
+          <p:cNvPr id="13" name="TextBox 12">
+            <a:extLst>
+              <a:ext uri="{FF2B5EF4-FFF2-40B4-BE49-F238E27FC236}">
+                <a16:creationId xmlns:a16="http://schemas.microsoft.com/office/drawing/2014/main" id="{B9CC258C-C27F-3F83-344F-C5A3C616AF15}"/>
+              </a:ext>
+            </a:extLst>
+          </p:cNvPr>
+          <p:cNvSpPr txBox="1"/>
+          <p:nvPr/>
+        </p:nvSpPr>
+        <p:spPr>
+          <a:xfrm>
+            <a:off x="1965047" y="2215255"/>
+            <a:ext cx="1138453" cy="369332"/>
+          </a:xfrm>
+          <a:prstGeom prst="rect">
+            <a:avLst/>
+          </a:prstGeom>
+          <a:noFill/>
+        </p:spPr>
+        <p:txBody>
+          <a:bodyPr wrap="none" rtlCol="0">
+            <a:spAutoFit/>
+          </a:bodyPr>
+          <a:lstStyle/>
+          <a:p>
+            <a:r>
+              <a:rPr lang="en-US" altLang="ko-KR" dirty="0"/>
+              <a:t>Selenium</a:t>
+            </a:r>
+            <a:endParaRPr lang="ko-KR" altLang="en-US" dirty="0"/>
+          </a:p>
+        </p:txBody>
+      </p:sp>
+      <p:sp>
+        <p:nvSpPr>
+          <p:cNvPr id="14" name="TextBox 13">
+            <a:extLst>
+              <a:ext uri="{FF2B5EF4-FFF2-40B4-BE49-F238E27FC236}">
+                <a16:creationId xmlns:a16="http://schemas.microsoft.com/office/drawing/2014/main" id="{F2C5E2BA-703C-4425-7999-4022455104FE}"/>
+              </a:ext>
+            </a:extLst>
+          </p:cNvPr>
+          <p:cNvSpPr txBox="1"/>
+          <p:nvPr/>
+        </p:nvSpPr>
+        <p:spPr>
+          <a:xfrm>
+            <a:off x="3249388" y="2378335"/>
+            <a:ext cx="1500732" cy="369332"/>
+          </a:xfrm>
+          <a:prstGeom prst="rect">
+            <a:avLst/>
+          </a:prstGeom>
+        </p:spPr>
+        <p:style>
+          <a:lnRef idx="2">
+            <a:schemeClr val="dk1"/>
+          </a:lnRef>
+          <a:fillRef idx="1">
+            <a:schemeClr val="lt1"/>
+          </a:fillRef>
+          <a:effectRef idx="0">
+            <a:schemeClr val="dk1"/>
+          </a:effectRef>
+          <a:fontRef idx="minor">
+            <a:schemeClr val="dk1"/>
+          </a:fontRef>
+        </p:style>
+        <p:txBody>
+          <a:bodyPr wrap="square" rtlCol="0">
+            <a:spAutoFit/>
+          </a:bodyPr>
+          <a:lstStyle/>
+          <a:p>
+            <a:pPr algn="ctr"/>
+            <a:r>
+              <a:rPr lang="ko-KR" altLang="en-US" dirty="0"/>
+              <a:t>서버</a:t>
+            </a:r>
+          </a:p>
+        </p:txBody>
+      </p:sp>
+      <p:sp>
+        <p:nvSpPr>
+          <p:cNvPr id="15" name="TextBox 14">
+            <a:extLst>
+              <a:ext uri="{FF2B5EF4-FFF2-40B4-BE49-F238E27FC236}">
+                <a16:creationId xmlns:a16="http://schemas.microsoft.com/office/drawing/2014/main" id="{4CFBB12D-0496-2C42-FEDD-0AD065CE980F}"/>
+              </a:ext>
+            </a:extLst>
+          </p:cNvPr>
+          <p:cNvSpPr txBox="1"/>
+          <p:nvPr/>
+        </p:nvSpPr>
+        <p:spPr>
+          <a:xfrm>
+            <a:off x="4678382" y="2604371"/>
+            <a:ext cx="1358321" cy="646331"/>
+          </a:xfrm>
+          <a:prstGeom prst="rect">
+            <a:avLst/>
+          </a:prstGeom>
+          <a:noFill/>
+        </p:spPr>
+        <p:txBody>
+          <a:bodyPr wrap="none" rtlCol="0">
+            <a:spAutoFit/>
+          </a:bodyPr>
+          <a:lstStyle/>
+          <a:p>
+            <a:pPr algn="ctr"/>
+            <a:r>
+              <a:rPr lang="en-US" altLang="ko-KR" dirty="0"/>
+              <a:t>COCO SSD,</a:t>
+            </a:r>
+          </a:p>
+          <a:p>
+            <a:pPr algn="ctr"/>
+            <a:r>
+              <a:rPr lang="en-US" altLang="ko-KR" dirty="0" err="1"/>
+              <a:t>MoveNet</a:t>
+            </a:r>
+            <a:endParaRPr lang="ko-KR" altLang="en-US" dirty="0"/>
+          </a:p>
+        </p:txBody>
+      </p:sp>
+      <p:cxnSp>
+        <p:nvCxnSpPr>
+          <p:cNvPr id="17" name="직선 화살표 연결선 16">
+            <a:extLst>
+              <a:ext uri="{FF2B5EF4-FFF2-40B4-BE49-F238E27FC236}">
+                <a16:creationId xmlns:a16="http://schemas.microsoft.com/office/drawing/2014/main" id="{B0DF381C-1D2A-45B7-8D01-734FF5DC75DD}"/>
+              </a:ext>
+            </a:extLst>
+          </p:cNvPr>
+          <p:cNvCxnSpPr/>
+          <p:nvPr/>
+        </p:nvCxnSpPr>
+        <p:spPr>
+          <a:xfrm>
+            <a:off x="1848474" y="2571876"/>
+            <a:ext cx="1371600" cy="0"/>
+          </a:xfrm>
+          <a:prstGeom prst="straightConnector1">
+            <a:avLst/>
+          </a:prstGeom>
+          <a:ln w="57150">
+            <a:tailEnd type="triangle"/>
+          </a:ln>
+        </p:spPr>
+        <p:style>
+          <a:lnRef idx="1">
+            <a:schemeClr val="accent1"/>
+          </a:lnRef>
+          <a:fillRef idx="0">
+            <a:schemeClr val="accent1"/>
+          </a:fillRef>
+          <a:effectRef idx="0">
+            <a:schemeClr val="accent1"/>
+          </a:effectRef>
+          <a:fontRef idx="minor">
+            <a:schemeClr val="tx1"/>
+          </a:fontRef>
+        </p:style>
+      </p:cxnSp>
+      <p:sp>
+        <p:nvSpPr>
+          <p:cNvPr id="18" name="TextBox 17">
+            <a:extLst>
+              <a:ext uri="{FF2B5EF4-FFF2-40B4-BE49-F238E27FC236}">
+                <a16:creationId xmlns:a16="http://schemas.microsoft.com/office/drawing/2014/main" id="{8D99AB5D-2FC2-20F3-8F71-154AA87BB62F}"/>
+              </a:ext>
+            </a:extLst>
+          </p:cNvPr>
+          <p:cNvSpPr txBox="1"/>
+          <p:nvPr/>
+        </p:nvSpPr>
+        <p:spPr>
+          <a:xfrm>
+            <a:off x="3249388" y="3083620"/>
+            <a:ext cx="1500732" cy="369332"/>
+          </a:xfrm>
+          <a:prstGeom prst="rect">
+            <a:avLst/>
+          </a:prstGeom>
+        </p:spPr>
+        <p:style>
+          <a:lnRef idx="2">
+            <a:schemeClr val="dk1"/>
+          </a:lnRef>
+          <a:fillRef idx="1">
+            <a:schemeClr val="lt1"/>
+          </a:fillRef>
+          <a:effectRef idx="0">
+            <a:schemeClr val="dk1"/>
+          </a:effectRef>
+          <a:fontRef idx="minor">
+            <a:schemeClr val="dk1"/>
+          </a:fontRef>
+        </p:style>
+        <p:txBody>
+          <a:bodyPr wrap="square" rtlCol="0">
+            <a:spAutoFit/>
+          </a:bodyPr>
+          <a:lstStyle/>
+          <a:p>
+            <a:pPr algn="ctr"/>
+            <a:r>
+              <a:rPr lang="ko-KR" altLang="en-US" dirty="0" err="1"/>
+              <a:t>웹캠</a:t>
+            </a:r>
+            <a:endParaRPr lang="ko-KR" altLang="en-US" dirty="0"/>
+          </a:p>
+        </p:txBody>
+      </p:sp>
+      <p:cxnSp>
+        <p:nvCxnSpPr>
+          <p:cNvPr id="19" name="직선 화살표 연결선 18">
+            <a:extLst>
+              <a:ext uri="{FF2B5EF4-FFF2-40B4-BE49-F238E27FC236}">
+                <a16:creationId xmlns:a16="http://schemas.microsoft.com/office/drawing/2014/main" id="{A4DC6F8C-D9CE-E895-108B-1EFAC158A7BC}"/>
+              </a:ext>
+            </a:extLst>
+          </p:cNvPr>
+          <p:cNvCxnSpPr>
+            <a:cxnSpLocks/>
+          </p:cNvCxnSpPr>
+          <p:nvPr/>
+        </p:nvCxnSpPr>
+        <p:spPr>
+          <a:xfrm flipH="1">
+            <a:off x="6275434" y="3176014"/>
+            <a:ext cx="831961" cy="912415"/>
+          </a:xfrm>
+          <a:prstGeom prst="straightConnector1">
+            <a:avLst/>
+          </a:prstGeom>
+          <a:ln w="57150">
+            <a:tailEnd type="triangle"/>
+          </a:ln>
+        </p:spPr>
+        <p:style>
+          <a:lnRef idx="1">
+            <a:schemeClr val="accent1"/>
+          </a:lnRef>
+          <a:fillRef idx="0">
+            <a:schemeClr val="accent1"/>
+          </a:fillRef>
+          <a:effectRef idx="0">
+            <a:schemeClr val="accent1"/>
+          </a:effectRef>
+          <a:fontRef idx="minor">
+            <a:schemeClr val="tx1"/>
+          </a:fontRef>
+        </p:style>
+      </p:cxnSp>
+      <p:sp>
+        <p:nvSpPr>
+          <p:cNvPr id="20" name="TextBox 19">
+            <a:extLst>
+              <a:ext uri="{FF2B5EF4-FFF2-40B4-BE49-F238E27FC236}">
+                <a16:creationId xmlns:a16="http://schemas.microsoft.com/office/drawing/2014/main" id="{5EB7A54C-C23B-1E0B-71B8-A73170673B4B}"/>
+              </a:ext>
+            </a:extLst>
+          </p:cNvPr>
+          <p:cNvSpPr txBox="1"/>
+          <p:nvPr/>
+        </p:nvSpPr>
+        <p:spPr>
+          <a:xfrm>
+            <a:off x="5545737" y="4121615"/>
+            <a:ext cx="1516697" cy="646331"/>
+          </a:xfrm>
+          <a:prstGeom prst="rect">
+            <a:avLst/>
+          </a:prstGeom>
+        </p:spPr>
+        <p:style>
+          <a:lnRef idx="2">
+            <a:schemeClr val="dk1"/>
+          </a:lnRef>
+          <a:fillRef idx="1">
+            <a:schemeClr val="lt1"/>
+          </a:fillRef>
+          <a:effectRef idx="0">
+            <a:schemeClr val="dk1"/>
+          </a:effectRef>
+          <a:fontRef idx="minor">
+            <a:schemeClr val="dk1"/>
+          </a:fontRef>
+        </p:style>
+        <p:txBody>
+          <a:bodyPr wrap="none" rtlCol="0">
+            <a:spAutoFit/>
+          </a:bodyPr>
+          <a:lstStyle/>
+          <a:p>
+            <a:pPr algn="ctr"/>
+            <a:r>
+              <a:rPr lang="ko-KR" altLang="en-US" dirty="0"/>
+              <a:t>파이썬 </a:t>
+            </a:r>
+            <a:r>
+              <a:rPr lang="en-US" altLang="ko-KR" dirty="0" err="1"/>
+              <a:t>Keras</a:t>
+            </a:r>
+            <a:br>
+              <a:rPr lang="en-US" altLang="ko-KR" dirty="0"/>
+            </a:br>
+            <a:r>
+              <a:rPr lang="ko-KR" altLang="en-US" dirty="0"/>
+              <a:t>분류 모델</a:t>
+            </a:r>
+          </a:p>
+        </p:txBody>
+      </p:sp>
+      <p:cxnSp>
+        <p:nvCxnSpPr>
+          <p:cNvPr id="21" name="직선 화살표 연결선 20">
+            <a:extLst>
+              <a:ext uri="{FF2B5EF4-FFF2-40B4-BE49-F238E27FC236}">
+                <a16:creationId xmlns:a16="http://schemas.microsoft.com/office/drawing/2014/main" id="{48B1BB9B-B61A-8A6D-C643-7A0EA9D1B277}"/>
+              </a:ext>
+            </a:extLst>
+          </p:cNvPr>
+          <p:cNvCxnSpPr>
+            <a:cxnSpLocks/>
+          </p:cNvCxnSpPr>
+          <p:nvPr/>
+        </p:nvCxnSpPr>
+        <p:spPr>
+          <a:xfrm flipH="1">
+            <a:off x="4661020" y="4860581"/>
+            <a:ext cx="831961" cy="912415"/>
+          </a:xfrm>
+          <a:prstGeom prst="straightConnector1">
+            <a:avLst/>
+          </a:prstGeom>
+          <a:ln w="57150">
+            <a:tailEnd type="triangle"/>
+          </a:ln>
+        </p:spPr>
+        <p:style>
+          <a:lnRef idx="1">
+            <a:schemeClr val="accent1"/>
+          </a:lnRef>
+          <a:fillRef idx="0">
+            <a:schemeClr val="accent1"/>
+          </a:fillRef>
+          <a:effectRef idx="0">
+            <a:schemeClr val="accent1"/>
+          </a:effectRef>
+          <a:fontRef idx="minor">
+            <a:schemeClr val="tx1"/>
+          </a:fontRef>
+        </p:style>
+      </p:cxnSp>
+      <p:sp>
+        <p:nvSpPr>
+          <p:cNvPr id="22" name="TextBox 21">
+            <a:extLst>
+              <a:ext uri="{FF2B5EF4-FFF2-40B4-BE49-F238E27FC236}">
+                <a16:creationId xmlns:a16="http://schemas.microsoft.com/office/drawing/2014/main" id="{8BD12CA7-1BAD-9A3A-D9F9-9D588FE8D4F2}"/>
+              </a:ext>
+            </a:extLst>
+          </p:cNvPr>
+          <p:cNvSpPr txBox="1"/>
+          <p:nvPr/>
+        </p:nvSpPr>
+        <p:spPr>
+          <a:xfrm>
+            <a:off x="3895233" y="5802927"/>
+            <a:ext cx="1531573" cy="646331"/>
+          </a:xfrm>
+          <a:prstGeom prst="rect">
+            <a:avLst/>
+          </a:prstGeom>
+        </p:spPr>
+        <p:style>
+          <a:lnRef idx="2">
+            <a:schemeClr val="dk1"/>
+          </a:lnRef>
+          <a:fillRef idx="1">
+            <a:schemeClr val="lt1"/>
+          </a:fillRef>
+          <a:effectRef idx="0">
+            <a:schemeClr val="dk1"/>
+          </a:effectRef>
+          <a:fontRef idx="minor">
+            <a:schemeClr val="dk1"/>
+          </a:fontRef>
+        </p:style>
+        <p:txBody>
+          <a:bodyPr wrap="none" rtlCol="0">
+            <a:spAutoFit/>
+          </a:bodyPr>
+          <a:lstStyle/>
+          <a:p>
+            <a:pPr algn="ctr"/>
+            <a:r>
+              <a:rPr lang="en-US" altLang="ko-KR" dirty="0"/>
+              <a:t>TensorFlow.js</a:t>
+            </a:r>
+          </a:p>
+          <a:p>
+            <a:pPr algn="ctr"/>
+            <a:r>
+              <a:rPr lang="ko-KR" altLang="en-US" dirty="0"/>
+              <a:t>분류 모델</a:t>
+            </a:r>
+          </a:p>
+        </p:txBody>
+      </p:sp>
+      <p:cxnSp>
+        <p:nvCxnSpPr>
+          <p:cNvPr id="23" name="직선 화살표 연결선 22">
+            <a:extLst>
+              <a:ext uri="{FF2B5EF4-FFF2-40B4-BE49-F238E27FC236}">
+                <a16:creationId xmlns:a16="http://schemas.microsoft.com/office/drawing/2014/main" id="{B5556B1C-ECB9-139E-85B6-A4BAFB0CB9B8}"/>
+              </a:ext>
+            </a:extLst>
+          </p:cNvPr>
+          <p:cNvCxnSpPr>
+            <a:cxnSpLocks/>
+          </p:cNvCxnSpPr>
+          <p:nvPr/>
+        </p:nvCxnSpPr>
+        <p:spPr>
+          <a:xfrm>
+            <a:off x="5501777" y="6126092"/>
+            <a:ext cx="1371600" cy="0"/>
+          </a:xfrm>
+          <a:prstGeom prst="straightConnector1">
+            <a:avLst/>
+          </a:prstGeom>
+          <a:ln w="57150">
+            <a:tailEnd type="triangle"/>
+          </a:ln>
+        </p:spPr>
+        <p:style>
+          <a:lnRef idx="1">
+            <a:schemeClr val="accent1"/>
+          </a:lnRef>
+          <a:fillRef idx="0">
+            <a:schemeClr val="accent1"/>
+          </a:fillRef>
+          <a:effectRef idx="0">
+            <a:schemeClr val="accent1"/>
+          </a:effectRef>
+          <a:fontRef idx="minor">
+            <a:schemeClr val="tx1"/>
+          </a:fontRef>
+        </p:style>
+      </p:cxnSp>
+      <p:sp>
+        <p:nvSpPr>
+          <p:cNvPr id="24" name="TextBox 23">
+            <a:extLst>
+              <a:ext uri="{FF2B5EF4-FFF2-40B4-BE49-F238E27FC236}">
+                <a16:creationId xmlns:a16="http://schemas.microsoft.com/office/drawing/2014/main" id="{D0C15F21-6B1A-05B9-2E79-E96D6D672879}"/>
+              </a:ext>
+            </a:extLst>
+          </p:cNvPr>
+          <p:cNvSpPr txBox="1"/>
+          <p:nvPr/>
+        </p:nvSpPr>
+        <p:spPr>
+          <a:xfrm rot="18702922">
+            <a:off x="4135369" y="4783352"/>
+            <a:ext cx="1531573" cy="646331"/>
+          </a:xfrm>
+          <a:prstGeom prst="rect">
+            <a:avLst/>
+          </a:prstGeom>
+          <a:noFill/>
+        </p:spPr>
+        <p:txBody>
+          <a:bodyPr wrap="none" rtlCol="0">
+            <a:spAutoFit/>
+          </a:bodyPr>
+          <a:lstStyle/>
+          <a:p>
+            <a:pPr algn="ctr"/>
+            <a:r>
+              <a:rPr lang="en-US" altLang="ko-KR" dirty="0"/>
+              <a:t>TensorFlow.js</a:t>
+            </a:r>
+          </a:p>
+          <a:p>
+            <a:pPr algn="ctr"/>
+            <a:r>
+              <a:rPr lang="en-US" altLang="ko-KR" dirty="0"/>
+              <a:t>API</a:t>
+            </a:r>
+            <a:endParaRPr lang="ko-KR" altLang="en-US" dirty="0"/>
+          </a:p>
+        </p:txBody>
+      </p:sp>
+      <p:sp>
+        <p:nvSpPr>
+          <p:cNvPr id="25" name="TextBox 24">
+            <a:extLst>
+              <a:ext uri="{FF2B5EF4-FFF2-40B4-BE49-F238E27FC236}">
+                <a16:creationId xmlns:a16="http://schemas.microsoft.com/office/drawing/2014/main" id="{46BB9A15-6222-331E-EE22-F7265D02D440}"/>
+              </a:ext>
+            </a:extLst>
+          </p:cNvPr>
+          <p:cNvSpPr txBox="1"/>
+          <p:nvPr/>
+        </p:nvSpPr>
+        <p:spPr>
+          <a:xfrm>
+            <a:off x="6949750" y="5941426"/>
+            <a:ext cx="1107996" cy="369332"/>
+          </a:xfrm>
+          <a:prstGeom prst="rect">
+            <a:avLst/>
+          </a:prstGeom>
+        </p:spPr>
+        <p:style>
+          <a:lnRef idx="2">
+            <a:schemeClr val="dk1"/>
+          </a:lnRef>
+          <a:fillRef idx="1">
+            <a:schemeClr val="lt1"/>
+          </a:fillRef>
+          <a:effectRef idx="0">
+            <a:schemeClr val="dk1"/>
+          </a:effectRef>
+          <a:fontRef idx="minor">
+            <a:schemeClr val="dk1"/>
+          </a:fontRef>
+        </p:style>
+        <p:txBody>
+          <a:bodyPr wrap="none" rtlCol="0">
+            <a:spAutoFit/>
+          </a:bodyPr>
+          <a:lstStyle/>
+          <a:p>
+            <a:r>
+              <a:rPr lang="ko-KR" altLang="en-US" dirty="0"/>
+              <a:t>웹사이트</a:t>
+            </a:r>
+          </a:p>
+        </p:txBody>
+      </p:sp>
+      <p:cxnSp>
+        <p:nvCxnSpPr>
+          <p:cNvPr id="26" name="직선 화살표 연결선 25">
+            <a:extLst>
+              <a:ext uri="{FF2B5EF4-FFF2-40B4-BE49-F238E27FC236}">
+                <a16:creationId xmlns:a16="http://schemas.microsoft.com/office/drawing/2014/main" id="{4CDFE838-77A1-9C7F-CD7E-4CCC77D9F451}"/>
+              </a:ext>
+            </a:extLst>
+          </p:cNvPr>
+          <p:cNvCxnSpPr>
+            <a:cxnSpLocks/>
+          </p:cNvCxnSpPr>
+          <p:nvPr/>
+        </p:nvCxnSpPr>
+        <p:spPr>
+          <a:xfrm>
+            <a:off x="8121885" y="6126092"/>
+            <a:ext cx="1371600" cy="0"/>
+          </a:xfrm>
+          <a:prstGeom prst="straightConnector1">
+            <a:avLst/>
+          </a:prstGeom>
+          <a:ln w="57150">
+            <a:tailEnd type="triangle"/>
+          </a:ln>
+        </p:spPr>
+        <p:style>
+          <a:lnRef idx="1">
+            <a:schemeClr val="accent1"/>
+          </a:lnRef>
+          <a:fillRef idx="0">
+            <a:schemeClr val="accent1"/>
+          </a:fillRef>
+          <a:effectRef idx="0">
+            <a:schemeClr val="accent1"/>
+          </a:effectRef>
+          <a:fontRef idx="minor">
+            <a:schemeClr val="tx1"/>
+          </a:fontRef>
+        </p:style>
+      </p:cxnSp>
+      <p:sp>
+        <p:nvSpPr>
+          <p:cNvPr id="27" name="TextBox 26">
+            <a:extLst>
+              <a:ext uri="{FF2B5EF4-FFF2-40B4-BE49-F238E27FC236}">
+                <a16:creationId xmlns:a16="http://schemas.microsoft.com/office/drawing/2014/main" id="{10E59552-1967-1C19-C64B-3B41BF697471}"/>
+              </a:ext>
+            </a:extLst>
+          </p:cNvPr>
+          <p:cNvSpPr txBox="1"/>
+          <p:nvPr/>
+        </p:nvSpPr>
+        <p:spPr>
+          <a:xfrm>
+            <a:off x="9618785" y="5941426"/>
+            <a:ext cx="1107996" cy="369332"/>
+          </a:xfrm>
+          <a:prstGeom prst="rect">
+            <a:avLst/>
+          </a:prstGeom>
+        </p:spPr>
+        <p:style>
+          <a:lnRef idx="2">
+            <a:schemeClr val="dk1"/>
+          </a:lnRef>
+          <a:fillRef idx="1">
+            <a:schemeClr val="lt1"/>
+          </a:fillRef>
+          <a:effectRef idx="0">
+            <a:schemeClr val="dk1"/>
+          </a:effectRef>
+          <a:fontRef idx="minor">
+            <a:schemeClr val="dk1"/>
+          </a:fontRef>
+        </p:style>
+        <p:txBody>
+          <a:bodyPr wrap="none" rtlCol="0">
+            <a:spAutoFit/>
+          </a:bodyPr>
+          <a:lstStyle/>
+          <a:p>
+            <a:r>
+              <a:rPr lang="ko-KR" altLang="en-US" dirty="0"/>
+              <a:t>대시보드</a:t>
+            </a:r>
+          </a:p>
+        </p:txBody>
+      </p:sp>
+      <p:sp>
+        <p:nvSpPr>
+          <p:cNvPr id="28" name="TextBox 27">
+            <a:extLst>
+              <a:ext uri="{FF2B5EF4-FFF2-40B4-BE49-F238E27FC236}">
+                <a16:creationId xmlns:a16="http://schemas.microsoft.com/office/drawing/2014/main" id="{0F40EC71-05D9-2552-7FF1-31448CEB08B6}"/>
+              </a:ext>
+            </a:extLst>
+          </p:cNvPr>
+          <p:cNvSpPr txBox="1"/>
+          <p:nvPr/>
+        </p:nvSpPr>
+        <p:spPr>
+          <a:xfrm>
+            <a:off x="6817869" y="2145328"/>
+            <a:ext cx="1107996" cy="369332"/>
+          </a:xfrm>
+          <a:prstGeom prst="rect">
+            <a:avLst/>
+          </a:prstGeom>
+          <a:noFill/>
+        </p:spPr>
+        <p:txBody>
+          <a:bodyPr wrap="none" rtlCol="0">
+            <a:spAutoFit/>
+          </a:bodyPr>
+          <a:lstStyle/>
+          <a:p>
+            <a:r>
+              <a:rPr lang="ko-KR" altLang="en-US"/>
+              <a:t>웹사이트</a:t>
+            </a:r>
+          </a:p>
+        </p:txBody>
+      </p:sp>
+      <p:cxnSp>
+        <p:nvCxnSpPr>
+          <p:cNvPr id="29" name="직선 화살표 연결선 28">
+            <a:extLst>
+              <a:ext uri="{FF2B5EF4-FFF2-40B4-BE49-F238E27FC236}">
+                <a16:creationId xmlns:a16="http://schemas.microsoft.com/office/drawing/2014/main" id="{51D634BB-6EF3-D5AF-74FE-D6F6A8947B76}"/>
+              </a:ext>
+            </a:extLst>
+          </p:cNvPr>
+          <p:cNvCxnSpPr>
+            <a:cxnSpLocks/>
+          </p:cNvCxnSpPr>
+          <p:nvPr/>
+        </p:nvCxnSpPr>
+        <p:spPr>
+          <a:xfrm>
+            <a:off x="7723891" y="3215862"/>
+            <a:ext cx="1894894" cy="2557134"/>
+          </a:xfrm>
+          <a:prstGeom prst="straightConnector1">
+            <a:avLst/>
+          </a:prstGeom>
+          <a:ln w="57150">
+            <a:tailEnd type="triangle"/>
+          </a:ln>
+        </p:spPr>
+        <p:style>
+          <a:lnRef idx="1">
+            <a:schemeClr val="accent1"/>
+          </a:lnRef>
+          <a:fillRef idx="0">
+            <a:schemeClr val="accent1"/>
+          </a:fillRef>
+          <a:effectRef idx="0">
+            <a:schemeClr val="accent1"/>
+          </a:effectRef>
+          <a:fontRef idx="minor">
+            <a:schemeClr val="tx1"/>
+          </a:fontRef>
+        </p:style>
+      </p:cxnSp>
+      <p:sp>
+        <p:nvSpPr>
+          <p:cNvPr id="30" name="TextBox 29">
+            <a:extLst>
+              <a:ext uri="{FF2B5EF4-FFF2-40B4-BE49-F238E27FC236}">
+                <a16:creationId xmlns:a16="http://schemas.microsoft.com/office/drawing/2014/main" id="{03802786-2C45-0859-8B6E-4727B7CBE759}"/>
+              </a:ext>
+            </a:extLst>
+          </p:cNvPr>
+          <p:cNvSpPr txBox="1"/>
+          <p:nvPr/>
+        </p:nvSpPr>
+        <p:spPr>
+          <a:xfrm rot="3223020">
+            <a:off x="8236103" y="4031832"/>
+            <a:ext cx="1107996" cy="369332"/>
+          </a:xfrm>
+          <a:prstGeom prst="rect">
+            <a:avLst/>
+          </a:prstGeom>
+          <a:noFill/>
+        </p:spPr>
+        <p:txBody>
+          <a:bodyPr wrap="none" rtlCol="0">
+            <a:spAutoFit/>
+          </a:bodyPr>
+          <a:lstStyle/>
+          <a:p>
+            <a:r>
+              <a:rPr lang="ko-KR" altLang="en-US" dirty="0"/>
+              <a:t>다운로드</a:t>
+            </a:r>
+          </a:p>
+        </p:txBody>
+      </p:sp>
+      <p:sp>
+        <p:nvSpPr>
+          <p:cNvPr id="31" name="TextBox 30">
+            <a:extLst>
+              <a:ext uri="{FF2B5EF4-FFF2-40B4-BE49-F238E27FC236}">
+                <a16:creationId xmlns:a16="http://schemas.microsoft.com/office/drawing/2014/main" id="{28111482-1766-BED6-7611-619F7EC1FC31}"/>
+              </a:ext>
+            </a:extLst>
+          </p:cNvPr>
+          <p:cNvSpPr txBox="1"/>
+          <p:nvPr/>
+        </p:nvSpPr>
+        <p:spPr>
+          <a:xfrm>
+            <a:off x="8433373" y="5730593"/>
+            <a:ext cx="646332" cy="369332"/>
+          </a:xfrm>
+          <a:prstGeom prst="rect">
+            <a:avLst/>
+          </a:prstGeom>
+          <a:noFill/>
+        </p:spPr>
+        <p:txBody>
+          <a:bodyPr wrap="none" rtlCol="0">
+            <a:spAutoFit/>
+          </a:bodyPr>
+          <a:lstStyle/>
+          <a:p>
+            <a:pPr algn="ctr"/>
+            <a:r>
+              <a:rPr lang="ko-KR" altLang="en-US" dirty="0"/>
+              <a:t>서버</a:t>
+            </a:r>
+          </a:p>
+        </p:txBody>
+      </p:sp>
+      <p:sp>
+        <p:nvSpPr>
+          <p:cNvPr id="32" name="TextBox 31">
+            <a:extLst>
+              <a:ext uri="{FF2B5EF4-FFF2-40B4-BE49-F238E27FC236}">
+                <a16:creationId xmlns:a16="http://schemas.microsoft.com/office/drawing/2014/main" id="{CB983D3A-326F-755E-B485-3AB379DDC8C9}"/>
+              </a:ext>
+            </a:extLst>
+          </p:cNvPr>
+          <p:cNvSpPr txBox="1"/>
+          <p:nvPr/>
+        </p:nvSpPr>
+        <p:spPr>
+          <a:xfrm>
+            <a:off x="8317958" y="6200187"/>
+            <a:ext cx="877163" cy="369332"/>
+          </a:xfrm>
+          <a:prstGeom prst="rect">
+            <a:avLst/>
+          </a:prstGeom>
+          <a:noFill/>
+        </p:spPr>
+        <p:txBody>
+          <a:bodyPr wrap="none" rtlCol="0">
+            <a:spAutoFit/>
+          </a:bodyPr>
+          <a:lstStyle/>
+          <a:p>
+            <a:pPr algn="ctr"/>
+            <a:r>
+              <a:rPr lang="ko-KR" altLang="en-US" dirty="0"/>
+              <a:t>실시간</a:t>
+            </a:r>
+          </a:p>
+        </p:txBody>
+      </p:sp>
+      <p:sp>
+        <p:nvSpPr>
+          <p:cNvPr id="33" name="TextBox 32">
+            <a:extLst>
+              <a:ext uri="{FF2B5EF4-FFF2-40B4-BE49-F238E27FC236}">
+                <a16:creationId xmlns:a16="http://schemas.microsoft.com/office/drawing/2014/main" id="{C1CF53F4-5CE8-41AF-AE1B-125622DF54FF}"/>
+              </a:ext>
+            </a:extLst>
+          </p:cNvPr>
+          <p:cNvSpPr txBox="1"/>
+          <p:nvPr/>
+        </p:nvSpPr>
+        <p:spPr>
+          <a:xfrm>
+            <a:off x="6357029" y="2736707"/>
+            <a:ext cx="1500732" cy="369332"/>
+          </a:xfrm>
+          <a:prstGeom prst="rect">
+            <a:avLst/>
+          </a:prstGeom>
+        </p:spPr>
+        <p:style>
+          <a:lnRef idx="2">
+            <a:schemeClr val="dk1"/>
+          </a:lnRef>
+          <a:fillRef idx="1">
+            <a:schemeClr val="lt1"/>
+          </a:fillRef>
+          <a:effectRef idx="0">
+            <a:schemeClr val="dk1"/>
+          </a:effectRef>
+          <a:fontRef idx="minor">
+            <a:schemeClr val="dk1"/>
+          </a:fontRef>
+        </p:style>
+        <p:txBody>
+          <a:bodyPr wrap="square" rtlCol="0">
+            <a:spAutoFit/>
+          </a:bodyPr>
+          <a:lstStyle/>
+          <a:p>
+            <a:pPr algn="ctr"/>
+            <a:r>
+              <a:rPr lang="ko-KR" altLang="en-US" dirty="0"/>
+              <a:t>서버</a:t>
+            </a:r>
+          </a:p>
+        </p:txBody>
+      </p:sp>
+    </p:spTree>
+    <p:extLst>
+      <p:ext uri="{BB962C8B-B14F-4D97-AF65-F5344CB8AC3E}">
+        <p14:creationId xmlns:p14="http://schemas.microsoft.com/office/powerpoint/2010/main" val="3059669490"/>
       </p:ext>
     </p:extLst>
   </p:cSld>
@@ -5097,107 +6143,64 @@
       </p:grpSpPr>
       <p:sp>
         <p:nvSpPr>
-          <p:cNvPr id="3" name="내용 개체 틀 2">
-            <a:extLst>
-              <a:ext uri="{FF2B5EF4-FFF2-40B4-BE49-F238E27FC236}">
-                <a16:creationId xmlns:a16="http://schemas.microsoft.com/office/drawing/2014/main" id="{B891FE8F-1A72-395B-90F2-EB711CAE36E1}"/>
-              </a:ext>
-            </a:extLst>
-          </p:cNvPr>
-          <p:cNvSpPr>
-            <a:spLocks noGrp="1"/>
-          </p:cNvSpPr>
-          <p:nvPr>
-            <p:ph idx="1"/>
+          <p:cNvPr id="2" name="제목 1">
+            <a:extLst>
+              <a:ext uri="{FF2B5EF4-FFF2-40B4-BE49-F238E27FC236}">
+                <a16:creationId xmlns:a16="http://schemas.microsoft.com/office/drawing/2014/main" id="{A55ED1F0-3BCF-C4D4-58B4-DB0CF9024E92}"/>
+              </a:ext>
+            </a:extLst>
+          </p:cNvPr>
+          <p:cNvSpPr>
+            <a:spLocks noGrp="1"/>
+          </p:cNvSpPr>
+          <p:nvPr>
+            <p:ph type="ctrTitle"/>
           </p:nvPr>
         </p:nvSpPr>
         <p:spPr>
           <a:xfrm>
-            <a:off x="1577340" y="2395601"/>
-            <a:ext cx="9037320" cy="4351338"/>
-          </a:xfrm>
-        </p:spPr>
-        <p:txBody>
-          <a:bodyPr/>
-          <a:lstStyle/>
-          <a:p>
-            <a:pPr>
-              <a:buClr>
-                <a:schemeClr val="accent1"/>
-              </a:buClr>
-              <a:buFont typeface="Wingdings" panose="05000000000000000000" pitchFamily="2" charset="2"/>
-              <a:buChar char="§"/>
+            <a:off x="982980" y="4134475"/>
+            <a:ext cx="10226040" cy="903923"/>
+          </a:xfrm>
+        </p:spPr>
+        <p:txBody>
+          <a:bodyPr>
+            <a:normAutofit fontScale="90000"/>
+          </a:bodyPr>
+          <a:lstStyle/>
+          <a:p>
+            <a:pPr algn="ctr">
+              <a:lnSpc>
+                <a:spcPct val="150000"/>
+              </a:lnSpc>
             </a:pPr>
             <a:r>
-              <a:rPr lang="ko-KR" altLang="en-US" dirty="0"/>
-              <a:t>적절한 운동과 스트레칭으로 예방할 수 있지만</a:t>
-            </a:r>
-            <a:r>
-              <a:rPr lang="en-US" altLang="ko-KR" dirty="0"/>
-              <a:t>,</a:t>
+              <a:rPr lang="ko-KR" altLang="en-US" sz="5400" dirty="0"/>
+              <a:t>데이터 수집</a:t>
             </a:r>
             <a:br>
-              <a:rPr lang="en-US" altLang="ko-KR" dirty="0"/>
+              <a:rPr lang="en-US" altLang="ko-KR" sz="5400" dirty="0"/>
             </a:br>
             <a:r>
-              <a:rPr lang="ko-KR" altLang="en-US" dirty="0"/>
-              <a:t>근본적으로 올바른 자세를 유지해야 함</a:t>
-            </a:r>
-            <a:r>
-              <a:rPr lang="en-US" altLang="ko-KR" dirty="0"/>
-              <a:t>.</a:t>
-            </a:r>
-          </a:p>
-          <a:p>
-            <a:pPr>
-              <a:buClr>
-                <a:schemeClr val="accent1"/>
-              </a:buClr>
-              <a:buFont typeface="Wingdings" panose="05000000000000000000" pitchFamily="2" charset="2"/>
-              <a:buChar char="§"/>
-            </a:pPr>
-            <a:r>
-              <a:rPr lang="ko-KR" altLang="en-US" dirty="0"/>
-              <a:t>올바른 자세 유지 시 올바르지 않은 자세로 쌓인 피로와 통증 해소를 위한 의료시설 방문 횟수</a:t>
-            </a:r>
-            <a:r>
-              <a:rPr lang="en-US" altLang="ko-KR" dirty="0"/>
-              <a:t>/</a:t>
-            </a:r>
-            <a:r>
-              <a:rPr lang="ko-KR" altLang="en-US" dirty="0"/>
-              <a:t>비용 감소</a:t>
-            </a:r>
-            <a:endParaRPr lang="en-US" altLang="ko-KR" dirty="0"/>
-          </a:p>
-          <a:p>
-            <a:pPr>
-              <a:buClr>
-                <a:schemeClr val="accent1"/>
-              </a:buClr>
-              <a:buFont typeface="Wingdings" panose="05000000000000000000" pitchFamily="2" charset="2"/>
-              <a:buChar char="§"/>
-            </a:pPr>
-            <a:endParaRPr lang="en-US" altLang="ko-KR" dirty="0"/>
-          </a:p>
-          <a:p>
-            <a:pPr>
-              <a:buClr>
-                <a:schemeClr val="accent1"/>
-              </a:buClr>
-              <a:buFont typeface="Wingdings" panose="05000000000000000000" pitchFamily="2" charset="2"/>
-              <a:buChar char="§"/>
-            </a:pPr>
-            <a:endParaRPr lang="en-US" altLang="ko-KR" dirty="0"/>
-          </a:p>
-        </p:txBody>
-      </p:sp>
-      <p:sp>
-        <p:nvSpPr>
-          <p:cNvPr id="8" name="직사각형 7">
-            <a:extLst>
-              <a:ext uri="{FF2B5EF4-FFF2-40B4-BE49-F238E27FC236}">
-                <a16:creationId xmlns:a16="http://schemas.microsoft.com/office/drawing/2014/main" id="{2AEFDCFB-FDBA-0860-BDB4-AD66A325D0C1}"/>
+              <a:rPr lang="ko-KR" altLang="en-US" sz="5400" dirty="0"/>
+              <a:t>애플리케이션 시연</a:t>
+            </a:r>
+            <a:br>
+              <a:rPr lang="en-US" altLang="ko-KR" sz="5400" dirty="0"/>
+            </a:br>
+            <a:r>
+              <a:rPr lang="ko-KR" altLang="en-US" sz="5400" dirty="0"/>
+              <a:t>대시보드</a:t>
+            </a:r>
+          </a:p>
+        </p:txBody>
+      </p:sp>
+      <p:sp>
+        <p:nvSpPr>
+          <p:cNvPr id="4" name="사각형: 둥근 모서리 3">
+            <a:extLst>
+              <a:ext uri="{FF2B5EF4-FFF2-40B4-BE49-F238E27FC236}">
+                <a16:creationId xmlns:a16="http://schemas.microsoft.com/office/drawing/2014/main" id="{7BA85ECA-712A-C5DE-DA1C-316BFAAE4E17}"/>
               </a:ext>
             </a:extLst>
           </p:cNvPr>
@@ -5206,12 +6209,18 @@
         </p:nvSpPr>
         <p:spPr>
           <a:xfrm>
-            <a:off x="-777240" y="-106680"/>
-            <a:ext cx="14097000" cy="1676400"/>
-          </a:xfrm>
-          <a:prstGeom prst="rect">
+            <a:off x="830580" y="929640"/>
+            <a:ext cx="10530840" cy="4805997"/>
+          </a:xfrm>
+          <a:prstGeom prst="roundRect">
             <a:avLst/>
           </a:prstGeom>
+          <a:noFill/>
+          <a:ln w="269875">
+            <a:solidFill>
+              <a:schemeClr val="accent1"/>
+            </a:solidFill>
+          </a:ln>
         </p:spPr>
         <p:style>
           <a:lnRef idx="2">
@@ -5238,159 +6247,10 @@
           </a:p>
         </p:txBody>
       </p:sp>
-      <p:sp>
-        <p:nvSpPr>
-          <p:cNvPr id="9" name="제목 1">
-            <a:extLst>
-              <a:ext uri="{FF2B5EF4-FFF2-40B4-BE49-F238E27FC236}">
-                <a16:creationId xmlns:a16="http://schemas.microsoft.com/office/drawing/2014/main" id="{33BB1B24-32EA-52CD-4469-BEAC12A0EAF5}"/>
-              </a:ext>
-            </a:extLst>
-          </p:cNvPr>
-          <p:cNvSpPr>
-            <a:spLocks noGrp="1"/>
-          </p:cNvSpPr>
-          <p:nvPr>
-            <p:ph type="title"/>
-          </p:nvPr>
-        </p:nvSpPr>
-        <p:spPr>
-          <a:xfrm>
-            <a:off x="838200" y="365125"/>
-            <a:ext cx="10515600" cy="1325563"/>
-          </a:xfrm>
-        </p:spPr>
-        <p:txBody>
-          <a:bodyPr/>
-          <a:lstStyle/>
-          <a:p>
-            <a:r>
-              <a:rPr lang="ko-KR" altLang="en-US" dirty="0">
-                <a:solidFill>
-                  <a:schemeClr val="bg1"/>
-                </a:solidFill>
-              </a:rPr>
-              <a:t>올바른</a:t>
-            </a:r>
-            <a:r>
-              <a:rPr lang="en-US" altLang="ko-KR" dirty="0">
-                <a:solidFill>
-                  <a:schemeClr val="bg1"/>
-                </a:solidFill>
-              </a:rPr>
-              <a:t> </a:t>
-            </a:r>
-            <a:r>
-              <a:rPr lang="ko-KR" altLang="en-US" dirty="0">
-                <a:solidFill>
-                  <a:schemeClr val="bg1"/>
-                </a:solidFill>
-              </a:rPr>
-              <a:t>자세의 중요성</a:t>
-            </a:r>
-          </a:p>
-        </p:txBody>
-      </p:sp>
-      <p:cxnSp>
-        <p:nvCxnSpPr>
-          <p:cNvPr id="10" name="직선 연결선 9">
-            <a:extLst>
-              <a:ext uri="{FF2B5EF4-FFF2-40B4-BE49-F238E27FC236}">
-                <a16:creationId xmlns:a16="http://schemas.microsoft.com/office/drawing/2014/main" id="{187549CF-A38B-F145-97BC-8E592147A687}"/>
-              </a:ext>
-            </a:extLst>
-          </p:cNvPr>
-          <p:cNvCxnSpPr/>
-          <p:nvPr/>
-        </p:nvCxnSpPr>
-        <p:spPr>
-          <a:xfrm>
-            <a:off x="1394460" y="4663440"/>
-            <a:ext cx="9403080" cy="0"/>
-          </a:xfrm>
-          <a:prstGeom prst="line">
-            <a:avLst/>
-          </a:prstGeom>
-          <a:ln w="38100"/>
-        </p:spPr>
-        <p:style>
-          <a:lnRef idx="1">
-            <a:schemeClr val="accent1"/>
-          </a:lnRef>
-          <a:fillRef idx="0">
-            <a:schemeClr val="accent1"/>
-          </a:fillRef>
-          <a:effectRef idx="0">
-            <a:schemeClr val="accent1"/>
-          </a:effectRef>
-          <a:fontRef idx="minor">
-            <a:schemeClr val="tx1"/>
-          </a:fontRef>
-        </p:style>
-      </p:cxnSp>
-      <p:sp>
-        <p:nvSpPr>
-          <p:cNvPr id="2" name="사각형: 둥근 모서리 1">
-            <a:extLst>
-              <a:ext uri="{FF2B5EF4-FFF2-40B4-BE49-F238E27FC236}">
-                <a16:creationId xmlns:a16="http://schemas.microsoft.com/office/drawing/2014/main" id="{CA52E848-5E09-E5F2-B5B8-A7E7B197328C}"/>
-              </a:ext>
-            </a:extLst>
-          </p:cNvPr>
-          <p:cNvSpPr/>
-          <p:nvPr/>
-        </p:nvSpPr>
-        <p:spPr>
-          <a:xfrm>
-            <a:off x="2843579" y="5274457"/>
-            <a:ext cx="6504841" cy="937810"/>
-          </a:xfrm>
-          <a:prstGeom prst="roundRect">
-            <a:avLst/>
-          </a:prstGeom>
-          <a:noFill/>
-          <a:ln w="57150">
-            <a:solidFill>
-              <a:schemeClr val="accent6"/>
-            </a:solidFill>
-          </a:ln>
-        </p:spPr>
-        <p:style>
-          <a:lnRef idx="2">
-            <a:schemeClr val="accent1">
-              <a:shade val="50000"/>
-            </a:schemeClr>
-          </a:lnRef>
-          <a:fillRef idx="1">
-            <a:schemeClr val="accent1"/>
-          </a:fillRef>
-          <a:effectRef idx="0">
-            <a:schemeClr val="accent1"/>
-          </a:effectRef>
-          <a:fontRef idx="minor">
-            <a:schemeClr val="lt1"/>
-          </a:fontRef>
-        </p:style>
-        <p:txBody>
-          <a:bodyPr rtlCol="0" anchor="ctr"/>
-          <a:lstStyle/>
-          <a:p>
-            <a:pPr algn="ctr"/>
-            <a:r>
-              <a:rPr lang="ko-KR" altLang="en-US" sz="3200" dirty="0">
-                <a:solidFill>
-                  <a:schemeClr val="tx1"/>
-                </a:solidFill>
-              </a:rPr>
-              <a:t>실시간 자세 분류 프로그램 제작</a:t>
-            </a:r>
-          </a:p>
-        </p:txBody>
-      </p:sp>
     </p:spTree>
     <p:extLst>
       <p:ext uri="{BB962C8B-B14F-4D97-AF65-F5344CB8AC3E}">
-        <p14:creationId xmlns:p14="http://schemas.microsoft.com/office/powerpoint/2010/main" val="2754544686"/>
+        <p14:creationId xmlns:p14="http://schemas.microsoft.com/office/powerpoint/2010/main" val="3383622998"/>
       </p:ext>
     </p:extLst>
   </p:cSld>
@@ -5419,10 +6279,56 @@
       </p:grpSpPr>
       <p:sp>
         <p:nvSpPr>
-          <p:cNvPr id="2" name="제목 1">
-            <a:extLst>
-              <a:ext uri="{FF2B5EF4-FFF2-40B4-BE49-F238E27FC236}">
-                <a16:creationId xmlns:a16="http://schemas.microsoft.com/office/drawing/2014/main" id="{9DF5B3A3-787D-03E7-A31F-9FDB53181269}"/>
+          <p:cNvPr id="4" name="직사각형 3">
+            <a:extLst>
+              <a:ext uri="{FF2B5EF4-FFF2-40B4-BE49-F238E27FC236}">
+                <a16:creationId xmlns:a16="http://schemas.microsoft.com/office/drawing/2014/main" id="{50E6FE79-3720-D668-EE32-45A0D8BAE9BC}"/>
+              </a:ext>
+            </a:extLst>
+          </p:cNvPr>
+          <p:cNvSpPr/>
+          <p:nvPr/>
+        </p:nvSpPr>
+        <p:spPr>
+          <a:xfrm>
+            <a:off x="0" y="0"/>
+            <a:ext cx="12192000" cy="1569720"/>
+          </a:xfrm>
+          <a:prstGeom prst="rect">
+            <a:avLst/>
+          </a:prstGeom>
+        </p:spPr>
+        <p:style>
+          <a:lnRef idx="2">
+            <a:schemeClr val="accent1">
+              <a:shade val="50000"/>
+            </a:schemeClr>
+          </a:lnRef>
+          <a:fillRef idx="1">
+            <a:schemeClr val="accent1"/>
+          </a:fillRef>
+          <a:effectRef idx="0">
+            <a:schemeClr val="accent1"/>
+          </a:effectRef>
+          <a:fontRef idx="minor">
+            <a:schemeClr val="lt1"/>
+          </a:fontRef>
+        </p:style>
+        <p:txBody>
+          <a:bodyPr rtlCol="0" anchor="ctr"/>
+          <a:lstStyle/>
+          <a:p>
+            <a:pPr algn="ctr"/>
+            <a:endParaRPr lang="ko-KR" altLang="en-US"/>
+          </a:p>
+        </p:txBody>
+      </p:sp>
+      <p:sp>
+        <p:nvSpPr>
+          <p:cNvPr id="9" name="제목 1">
+            <a:extLst>
+              <a:ext uri="{FF2B5EF4-FFF2-40B4-BE49-F238E27FC236}">
+                <a16:creationId xmlns:a16="http://schemas.microsoft.com/office/drawing/2014/main" id="{33BB1B24-32EA-52CD-4469-BEAC12A0EAF5}"/>
               </a:ext>
             </a:extLst>
           </p:cNvPr>
@@ -5433,222 +6339,124 @@
             <p:ph type="title"/>
           </p:nvPr>
         </p:nvSpPr>
-        <p:spPr/>
+        <p:spPr>
+          <a:xfrm>
+            <a:off x="838200" y="365125"/>
+            <a:ext cx="10515600" cy="1325563"/>
+          </a:xfrm>
+        </p:spPr>
         <p:txBody>
           <a:bodyPr/>
           <a:lstStyle/>
           <a:p>
             <a:r>
+              <a:rPr lang="ko-KR" altLang="en-US" dirty="0" err="1">
+                <a:solidFill>
+                  <a:schemeClr val="bg1"/>
+                </a:solidFill>
+              </a:rPr>
+              <a:t>제한점</a:t>
+            </a:r>
+            <a:r>
+              <a:rPr lang="ko-KR" altLang="en-US" dirty="0">
+                <a:solidFill>
+                  <a:schemeClr val="bg1"/>
+                </a:solidFill>
+              </a:rPr>
+              <a:t> 및 향후 목표</a:t>
+            </a:r>
+          </a:p>
+        </p:txBody>
+      </p:sp>
+      <p:sp>
+        <p:nvSpPr>
+          <p:cNvPr id="2" name="내용 개체 틀 2">
+            <a:extLst>
+              <a:ext uri="{FF2B5EF4-FFF2-40B4-BE49-F238E27FC236}">
+                <a16:creationId xmlns:a16="http://schemas.microsoft.com/office/drawing/2014/main" id="{5BFFA264-75DA-AC07-2301-2CC49F10A0CA}"/>
+              </a:ext>
+            </a:extLst>
+          </p:cNvPr>
+          <p:cNvSpPr>
+            <a:spLocks noGrp="1"/>
+          </p:cNvSpPr>
+          <p:nvPr>
+            <p:ph idx="1"/>
+          </p:nvPr>
+        </p:nvSpPr>
+        <p:spPr>
+          <a:xfrm>
+            <a:off x="838200" y="1825625"/>
+            <a:ext cx="10515600" cy="4351338"/>
+          </a:xfrm>
+        </p:spPr>
+        <p:txBody>
+          <a:bodyPr/>
+          <a:lstStyle/>
+          <a:p>
+            <a:pPr>
+              <a:lnSpc>
+                <a:spcPct val="150000"/>
+              </a:lnSpc>
+              <a:buClr>
+                <a:schemeClr val="accent1"/>
+              </a:buClr>
+              <a:buFont typeface="Wingdings" panose="05000000000000000000" pitchFamily="2" charset="2"/>
+              <a:buChar char="§"/>
+            </a:pPr>
+            <a:r>
               <a:rPr lang="ko-KR" altLang="en-US" dirty="0"/>
-              <a:t>데이터 수집 과정</a:t>
-            </a:r>
-          </a:p>
-        </p:txBody>
-      </p:sp>
-      <p:sp>
-        <p:nvSpPr>
-          <p:cNvPr id="3" name="내용 개체 틀 2">
-            <a:extLst>
-              <a:ext uri="{FF2B5EF4-FFF2-40B4-BE49-F238E27FC236}">
-                <a16:creationId xmlns:a16="http://schemas.microsoft.com/office/drawing/2014/main" id="{C7456459-7BFE-7379-3BAE-82A754F0D023}"/>
-              </a:ext>
-            </a:extLst>
-          </p:cNvPr>
-          <p:cNvSpPr>
-            <a:spLocks noGrp="1"/>
-          </p:cNvSpPr>
-          <p:nvPr>
-            <p:ph idx="1"/>
-          </p:nvPr>
-        </p:nvSpPr>
-        <p:spPr/>
-        <p:txBody>
-          <a:bodyPr/>
-          <a:lstStyle/>
-          <a:p>
+              <a:t>데이터베이스 서버 </a:t>
+            </a:r>
+            <a:r>
+              <a:rPr lang="ko-KR" altLang="en-US" dirty="0" err="1"/>
+              <a:t>접속량</a:t>
+            </a:r>
             <a:r>
               <a:rPr lang="ko-KR" altLang="en-US" dirty="0"/>
-              <a:t>타겟</a:t>
-            </a:r>
+              <a:t> 제한 해결</a:t>
+            </a:r>
+            <a:endParaRPr lang="en-US" altLang="ko-KR" dirty="0"/>
+          </a:p>
+          <a:p>
+            <a:pPr>
+              <a:lnSpc>
+                <a:spcPct val="150000"/>
+              </a:lnSpc>
+              <a:buClr>
+                <a:schemeClr val="accent1"/>
+              </a:buClr>
+              <a:buFont typeface="Wingdings" panose="05000000000000000000" pitchFamily="2" charset="2"/>
+              <a:buChar char="§"/>
+            </a:pPr>
+            <a:r>
+              <a:rPr lang="ko-KR" altLang="en-US"/>
+              <a:t>일반화를 </a:t>
+            </a:r>
+            <a:r>
+              <a:rPr lang="ko-KR" altLang="en-US" dirty="0"/>
+              <a:t>위한 새로운 이미지 수집 방법 고안</a:t>
+            </a:r>
+            <a:endParaRPr lang="en-US" altLang="ko-KR" dirty="0"/>
+          </a:p>
+          <a:p>
+            <a:pPr>
+              <a:lnSpc>
+                <a:spcPct val="150000"/>
+              </a:lnSpc>
+              <a:buClr>
+                <a:schemeClr val="accent1"/>
+              </a:buClr>
+              <a:buFont typeface="Wingdings" panose="05000000000000000000" pitchFamily="2" charset="2"/>
+              <a:buChar char="§"/>
+            </a:pPr>
             <a:r>
               <a:rPr lang="en-US" altLang="ko-KR" dirty="0"/>
-              <a:t>: 3</a:t>
+              <a:t>Looker Studio </a:t>
             </a:r>
             <a:r>
               <a:rPr lang="ko-KR" altLang="en-US" dirty="0"/>
-              <a:t>개 정상</a:t>
-            </a:r>
-            <a:r>
-              <a:rPr lang="en-US" altLang="ko-KR" dirty="0"/>
-              <a:t>, </a:t>
-            </a:r>
-            <a:r>
-              <a:rPr lang="ko-KR" altLang="en-US" dirty="0" err="1"/>
-              <a:t>거북목</a:t>
-            </a:r>
-            <a:r>
-              <a:rPr lang="en-US" altLang="ko-KR" dirty="0"/>
-              <a:t>, </a:t>
-            </a:r>
-            <a:r>
-              <a:rPr lang="ko-KR" altLang="en-US" dirty="0" err="1"/>
-              <a:t>등기댐</a:t>
-            </a:r>
-            <a:endParaRPr lang="en-US" altLang="ko-KR" dirty="0"/>
-          </a:p>
-          <a:p>
-            <a:r>
-              <a:rPr lang="en-US" altLang="ko-KR" dirty="0"/>
-              <a:t>TensorFlow.js API </a:t>
-            </a:r>
-            <a:r>
-              <a:rPr lang="ko-KR" altLang="en-US" dirty="0"/>
-              <a:t>이용</a:t>
-            </a:r>
-            <a:endParaRPr lang="en-US" altLang="ko-KR" dirty="0"/>
-          </a:p>
-          <a:p>
-            <a:r>
-              <a:rPr lang="ko-KR" altLang="en-US" dirty="0"/>
-              <a:t>앉은 자세 이미지 </a:t>
-            </a:r>
-            <a:r>
-              <a:rPr lang="en-US" altLang="ko-KR" dirty="0"/>
-              <a:t>-&gt; </a:t>
-            </a:r>
-            <a:r>
-              <a:rPr lang="ko-KR" altLang="en-US" dirty="0"/>
-              <a:t>이미지 링크</a:t>
-            </a:r>
-            <a:endParaRPr lang="en-US" altLang="ko-KR" dirty="0"/>
-          </a:p>
-          <a:p>
-            <a:pPr lvl="1"/>
-            <a:r>
-              <a:rPr lang="en-US" altLang="ko-KR" dirty="0"/>
-              <a:t>Google</a:t>
-            </a:r>
-            <a:r>
-              <a:rPr lang="ko-KR" altLang="en-US" dirty="0"/>
-              <a:t> </a:t>
-            </a:r>
-            <a:r>
-              <a:rPr lang="en-US" altLang="ko-KR" dirty="0"/>
-              <a:t>Custom Search Engine API -&gt; </a:t>
-            </a:r>
-            <a:r>
-              <a:rPr lang="ko-KR" altLang="en-US" dirty="0"/>
-              <a:t>빠른 시간에 </a:t>
-            </a:r>
-            <a:r>
-              <a:rPr lang="ko-KR" altLang="en-US" dirty="0" err="1"/>
-              <a:t>제한량</a:t>
-            </a:r>
-            <a:r>
-              <a:rPr lang="ko-KR" altLang="en-US" dirty="0"/>
-              <a:t> 초과로 </a:t>
-            </a:r>
-            <a:r>
-              <a:rPr lang="en-US" altLang="ko-KR" dirty="0"/>
-              <a:t>X</a:t>
-            </a:r>
-          </a:p>
-          <a:p>
-            <a:pPr lvl="1"/>
-            <a:r>
-              <a:rPr lang="en-US" altLang="ko-KR" dirty="0"/>
-              <a:t>Selenium </a:t>
-            </a:r>
-            <a:r>
-              <a:rPr lang="ko-KR" altLang="en-US" dirty="0"/>
-              <a:t>자동화</a:t>
-            </a:r>
-            <a:r>
-              <a:rPr lang="en-US" altLang="ko-KR" dirty="0"/>
-              <a:t> -&gt; 1913</a:t>
-            </a:r>
-            <a:r>
-              <a:rPr lang="ko-KR" altLang="en-US" dirty="0"/>
-              <a:t>개 링크 확보</a:t>
-            </a:r>
-            <a:endParaRPr lang="en-US" altLang="ko-KR" dirty="0"/>
-          </a:p>
-          <a:p>
-            <a:pPr lvl="1"/>
-            <a:r>
-              <a:rPr lang="ko-KR" altLang="en-US" dirty="0" err="1"/>
-              <a:t>전처리</a:t>
-            </a:r>
-            <a:r>
-              <a:rPr lang="ko-KR" altLang="en-US" dirty="0"/>
-              <a:t> 데이터 생성 </a:t>
-            </a:r>
-            <a:r>
-              <a:rPr lang="en-US" altLang="ko-KR" dirty="0"/>
-              <a:t>-&gt; 1913</a:t>
-            </a:r>
-            <a:r>
-              <a:rPr lang="ko-KR" altLang="en-US" dirty="0"/>
-              <a:t>개 중 </a:t>
-            </a:r>
-            <a:r>
-              <a:rPr lang="en-US" altLang="ko-KR" dirty="0"/>
-              <a:t>1123124</a:t>
-            </a:r>
-            <a:r>
-              <a:rPr lang="ko-KR" altLang="en-US" dirty="0"/>
-              <a:t>개</a:t>
-            </a:r>
-            <a:endParaRPr lang="en-US" altLang="ko-KR" dirty="0"/>
-          </a:p>
-          <a:p>
-            <a:pPr lvl="1"/>
-            <a:r>
-              <a:rPr lang="ko-KR" altLang="en-US" dirty="0"/>
-              <a:t>제대로 된 책상에 앉아 </a:t>
-            </a:r>
-            <a:r>
-              <a:rPr lang="ko-KR" altLang="en-US" dirty="0" err="1"/>
-              <a:t>웹캠을</a:t>
-            </a:r>
-            <a:r>
-              <a:rPr lang="ko-KR" altLang="en-US" dirty="0"/>
-              <a:t> 보고 있는 사진이 없음</a:t>
-            </a:r>
-            <a:r>
-              <a:rPr lang="en-US" altLang="ko-KR" dirty="0"/>
-              <a:t> -&gt; </a:t>
-            </a:r>
-            <a:r>
-              <a:rPr lang="ko-KR" altLang="en-US" dirty="0"/>
-              <a:t>직접 촬영</a:t>
-            </a:r>
-            <a:endParaRPr lang="en-US" altLang="ko-KR" dirty="0"/>
-          </a:p>
-          <a:p>
-            <a:r>
-              <a:rPr lang="ko-KR" altLang="en-US" dirty="0"/>
-              <a:t>앉은 자세 </a:t>
-            </a:r>
-            <a:r>
-              <a:rPr lang="ko-KR" altLang="en-US" dirty="0" err="1"/>
-              <a:t>웹캠</a:t>
-            </a:r>
-            <a:r>
-              <a:rPr lang="ko-KR" altLang="en-US" dirty="0"/>
-              <a:t> 촬영</a:t>
-            </a:r>
-            <a:endParaRPr lang="en-US" altLang="ko-KR" dirty="0"/>
-          </a:p>
-          <a:p>
-            <a:pPr lvl="1"/>
-            <a:r>
-              <a:rPr lang="en-US" altLang="ko-KR" dirty="0"/>
-              <a:t>500</a:t>
-            </a:r>
-            <a:r>
-              <a:rPr lang="ko-KR" altLang="en-US" dirty="0"/>
-              <a:t>장씩 촬영</a:t>
+              <a:t>추가 차트 생성</a:t>
             </a:r>
           </a:p>
         </p:txBody>
@@ -5656,7 +6464,7 @@
     </p:spTree>
     <p:extLst>
       <p:ext uri="{BB962C8B-B14F-4D97-AF65-F5344CB8AC3E}">
-        <p14:creationId xmlns:p14="http://schemas.microsoft.com/office/powerpoint/2010/main" val="1530147674"/>
+        <p14:creationId xmlns:p14="http://schemas.microsoft.com/office/powerpoint/2010/main" val="4032151784"/>
       </p:ext>
     </p:extLst>
   </p:cSld>
@@ -5688,464 +6496,92 @@
           <p:cNvPr id="2" name="제목 1">
             <a:extLst>
               <a:ext uri="{FF2B5EF4-FFF2-40B4-BE49-F238E27FC236}">
-                <a16:creationId xmlns:a16="http://schemas.microsoft.com/office/drawing/2014/main" id="{1A04EBFE-609D-3C52-679C-A57A13ED2A23}"/>
-              </a:ext>
-            </a:extLst>
-          </p:cNvPr>
-          <p:cNvSpPr>
-            <a:spLocks noGrp="1"/>
-          </p:cNvSpPr>
-          <p:nvPr>
-            <p:ph type="title"/>
-          </p:nvPr>
-        </p:nvSpPr>
-        <p:spPr/>
-        <p:txBody>
-          <a:bodyPr/>
-          <a:lstStyle/>
-          <a:p>
-            <a:r>
-              <a:rPr lang="ko-KR" altLang="en-US" dirty="0"/>
-              <a:t>모델 학습</a:t>
-            </a:r>
-          </a:p>
-        </p:txBody>
-      </p:sp>
-      <p:sp>
-        <p:nvSpPr>
-          <p:cNvPr id="3" name="내용 개체 틀 2">
-            <a:extLst>
-              <a:ext uri="{FF2B5EF4-FFF2-40B4-BE49-F238E27FC236}">
-                <a16:creationId xmlns:a16="http://schemas.microsoft.com/office/drawing/2014/main" id="{A86768EB-84B9-CF84-9FFE-8FC4AAB9C9B9}"/>
-              </a:ext>
-            </a:extLst>
-          </p:cNvPr>
-          <p:cNvSpPr>
-            <a:spLocks noGrp="1"/>
-          </p:cNvSpPr>
-          <p:nvPr>
-            <p:ph idx="1"/>
-          </p:nvPr>
-        </p:nvSpPr>
-        <p:spPr/>
-        <p:txBody>
-          <a:bodyPr/>
-          <a:lstStyle/>
-          <a:p>
-            <a:r>
-              <a:rPr lang="ko-KR" altLang="en-US" dirty="0"/>
-              <a:t>이미지 보여주기</a:t>
-            </a:r>
+                <a16:creationId xmlns:a16="http://schemas.microsoft.com/office/drawing/2014/main" id="{A55ED1F0-3BCF-C4D4-58B4-DB0CF9024E92}"/>
+              </a:ext>
+            </a:extLst>
+          </p:cNvPr>
+          <p:cNvSpPr>
+            <a:spLocks noGrp="1"/>
+          </p:cNvSpPr>
+          <p:nvPr>
+            <p:ph type="ctrTitle"/>
+          </p:nvPr>
+        </p:nvSpPr>
+        <p:spPr>
+          <a:xfrm>
+            <a:off x="982980" y="2977038"/>
+            <a:ext cx="10226040" cy="903923"/>
+          </a:xfrm>
+        </p:spPr>
+        <p:txBody>
+          <a:bodyPr>
+            <a:normAutofit/>
+          </a:bodyPr>
+          <a:lstStyle/>
+          <a:p>
+            <a:r>
+              <a:rPr lang="ko-KR" altLang="en-US" sz="5400" dirty="0"/>
+              <a:t>감사합니다</a:t>
+            </a:r>
+          </a:p>
+        </p:txBody>
+      </p:sp>
+      <p:sp>
+        <p:nvSpPr>
+          <p:cNvPr id="4" name="사각형: 둥근 모서리 3">
+            <a:extLst>
+              <a:ext uri="{FF2B5EF4-FFF2-40B4-BE49-F238E27FC236}">
+                <a16:creationId xmlns:a16="http://schemas.microsoft.com/office/drawing/2014/main" id="{7BA85ECA-712A-C5DE-DA1C-316BFAAE4E17}"/>
+              </a:ext>
+            </a:extLst>
+          </p:cNvPr>
+          <p:cNvSpPr/>
+          <p:nvPr/>
+        </p:nvSpPr>
+        <p:spPr>
+          <a:xfrm>
+            <a:off x="830580" y="929640"/>
+            <a:ext cx="10530840" cy="4805997"/>
+          </a:xfrm>
+          <a:prstGeom prst="roundRect">
+            <a:avLst/>
+          </a:prstGeom>
+          <a:noFill/>
+          <a:ln w="269875">
+            <a:solidFill>
+              <a:schemeClr val="accent1"/>
+            </a:solidFill>
+          </a:ln>
+        </p:spPr>
+        <p:style>
+          <a:lnRef idx="2">
+            <a:schemeClr val="accent1">
+              <a:shade val="50000"/>
+            </a:schemeClr>
+          </a:lnRef>
+          <a:fillRef idx="1">
+            <a:schemeClr val="accent1"/>
+          </a:fillRef>
+          <a:effectRef idx="0">
+            <a:schemeClr val="accent1"/>
+          </a:effectRef>
+          <a:fontRef idx="minor">
+            <a:schemeClr val="lt1"/>
+          </a:fontRef>
+        </p:style>
+        <p:txBody>
+          <a:bodyPr rtlCol="0" anchor="ctr"/>
+          <a:lstStyle/>
+          <a:p>
+            <a:pPr algn="ctr"/>
+            <a:endParaRPr lang="ko-KR" altLang="en-US"/>
           </a:p>
         </p:txBody>
       </p:sp>
     </p:spTree>
     <p:extLst>
       <p:ext uri="{BB962C8B-B14F-4D97-AF65-F5344CB8AC3E}">
-        <p14:creationId xmlns:p14="http://schemas.microsoft.com/office/powerpoint/2010/main" val="2376215942"/>
-      </p:ext>
-    </p:extLst>
-  </p:cSld>
-  <p:clrMapOvr>
-    <a:masterClrMapping/>
-  </p:clrMapOvr>
-</p:sld>
-</file>
-
-<file path=ppt/slides/slide8.xml><?xml version="1.0" encoding="utf-8"?>
-<p:sld xmlns:a="http://schemas.openxmlformats.org/drawingml/2006/main" xmlns:r="http://schemas.openxmlformats.org/officeDocument/2006/relationships" xmlns:p="http://schemas.openxmlformats.org/presentationml/2006/main">
-  <p:cSld>
-    <p:spTree>
-      <p:nvGrpSpPr>
-        <p:cNvPr id="1" name=""/>
-        <p:cNvGrpSpPr/>
-        <p:nvPr/>
-      </p:nvGrpSpPr>
-      <p:grpSpPr>
-        <a:xfrm>
-          <a:off x="0" y="0"/>
-          <a:ext cx="0" cy="0"/>
-          <a:chOff x="0" y="0"/>
-          <a:chExt cx="0" cy="0"/>
-        </a:xfrm>
-      </p:grpSpPr>
-      <p:sp>
-        <p:nvSpPr>
-          <p:cNvPr id="2" name="제목 1">
-            <a:extLst>
-              <a:ext uri="{FF2B5EF4-FFF2-40B4-BE49-F238E27FC236}">
-                <a16:creationId xmlns:a16="http://schemas.microsoft.com/office/drawing/2014/main" id="{71C48C7F-3DF6-6EBD-1C98-34C0D7F6F89F}"/>
-              </a:ext>
-            </a:extLst>
-          </p:cNvPr>
-          <p:cNvSpPr>
-            <a:spLocks noGrp="1"/>
-          </p:cNvSpPr>
-          <p:nvPr>
-            <p:ph type="ctrTitle"/>
-          </p:nvPr>
-        </p:nvSpPr>
-        <p:spPr/>
-        <p:txBody>
-          <a:bodyPr/>
-          <a:lstStyle/>
-          <a:p>
-            <a:endParaRPr lang="ko-KR" altLang="en-US"/>
-          </a:p>
-        </p:txBody>
-      </p:sp>
-      <p:sp>
-        <p:nvSpPr>
-          <p:cNvPr id="3" name="부제목 2">
-            <a:extLst>
-              <a:ext uri="{FF2B5EF4-FFF2-40B4-BE49-F238E27FC236}">
-                <a16:creationId xmlns:a16="http://schemas.microsoft.com/office/drawing/2014/main" id="{A28D7C69-7975-F7BC-76D9-7FEA8CDE776B}"/>
-              </a:ext>
-            </a:extLst>
-          </p:cNvPr>
-          <p:cNvSpPr>
-            <a:spLocks noGrp="1"/>
-          </p:cNvSpPr>
-          <p:nvPr>
-            <p:ph type="subTitle" idx="1"/>
-          </p:nvPr>
-        </p:nvSpPr>
-        <p:spPr/>
-        <p:txBody>
-          <a:bodyPr/>
-          <a:lstStyle/>
-          <a:p>
-            <a:endParaRPr lang="ko-KR" altLang="en-US"/>
-          </a:p>
-        </p:txBody>
-      </p:sp>
-      <p:pic>
-        <p:nvPicPr>
-          <p:cNvPr id="5" name="그림 4">
-            <a:extLst>
-              <a:ext uri="{FF2B5EF4-FFF2-40B4-BE49-F238E27FC236}">
-                <a16:creationId xmlns:a16="http://schemas.microsoft.com/office/drawing/2014/main" id="{6E6DB0B9-0789-8AB0-E9FA-CA3E362C78CF}"/>
-              </a:ext>
-            </a:extLst>
-          </p:cNvPr>
-          <p:cNvPicPr>
-            <a:picLocks noChangeAspect="1"/>
-          </p:cNvPicPr>
-          <p:nvPr/>
-        </p:nvPicPr>
-        <p:blipFill>
-          <a:blip r:embed="rId2"/>
-          <a:stretch>
-            <a:fillRect/>
-          </a:stretch>
-        </p:blipFill>
-        <p:spPr>
-          <a:xfrm>
-            <a:off x="5052867" y="2038156"/>
-            <a:ext cx="2086266" cy="2781688"/>
-          </a:xfrm>
-          <a:prstGeom prst="rect">
-            <a:avLst/>
-          </a:prstGeom>
-        </p:spPr>
-      </p:pic>
-      <p:pic>
-        <p:nvPicPr>
-          <p:cNvPr id="7" name="그림 6">
-            <a:extLst>
-              <a:ext uri="{FF2B5EF4-FFF2-40B4-BE49-F238E27FC236}">
-                <a16:creationId xmlns:a16="http://schemas.microsoft.com/office/drawing/2014/main" id="{D6CAA092-70AD-1E1D-E847-7D844AF4D3D6}"/>
-              </a:ext>
-            </a:extLst>
-          </p:cNvPr>
-          <p:cNvPicPr>
-            <a:picLocks noChangeAspect="1"/>
-          </p:cNvPicPr>
-          <p:nvPr/>
-        </p:nvPicPr>
-        <p:blipFill>
-          <a:blip r:embed="rId3"/>
-          <a:stretch>
-            <a:fillRect/>
-          </a:stretch>
-        </p:blipFill>
-        <p:spPr>
-          <a:xfrm>
-            <a:off x="5086209" y="2157235"/>
-            <a:ext cx="2019582" cy="2543530"/>
-          </a:xfrm>
-          <a:prstGeom prst="rect">
-            <a:avLst/>
-          </a:prstGeom>
-        </p:spPr>
-      </p:pic>
-      <p:pic>
-        <p:nvPicPr>
-          <p:cNvPr id="9" name="그림 8">
-            <a:extLst>
-              <a:ext uri="{FF2B5EF4-FFF2-40B4-BE49-F238E27FC236}">
-                <a16:creationId xmlns:a16="http://schemas.microsoft.com/office/drawing/2014/main" id="{D5EFF1C5-EE4E-250D-ED6A-2F63AB0EC69E}"/>
-              </a:ext>
-            </a:extLst>
-          </p:cNvPr>
-          <p:cNvPicPr>
-            <a:picLocks noChangeAspect="1"/>
-          </p:cNvPicPr>
-          <p:nvPr/>
-        </p:nvPicPr>
-        <p:blipFill>
-          <a:blip r:embed="rId4"/>
-          <a:stretch>
-            <a:fillRect/>
-          </a:stretch>
-        </p:blipFill>
-        <p:spPr>
-          <a:xfrm>
-            <a:off x="4657524" y="2466840"/>
-            <a:ext cx="2876951" cy="1924319"/>
-          </a:xfrm>
-          <a:prstGeom prst="rect">
-            <a:avLst/>
-          </a:prstGeom>
-        </p:spPr>
-      </p:pic>
-      <p:pic>
-        <p:nvPicPr>
-          <p:cNvPr id="11" name="그림 10">
-            <a:extLst>
-              <a:ext uri="{FF2B5EF4-FFF2-40B4-BE49-F238E27FC236}">
-                <a16:creationId xmlns:a16="http://schemas.microsoft.com/office/drawing/2014/main" id="{BB2DAA27-5E40-9E29-331D-BE1485538E4D}"/>
-              </a:ext>
-            </a:extLst>
-          </p:cNvPr>
-          <p:cNvPicPr>
-            <a:picLocks noChangeAspect="1"/>
-          </p:cNvPicPr>
-          <p:nvPr/>
-        </p:nvPicPr>
-        <p:blipFill>
-          <a:blip r:embed="rId5"/>
-          <a:stretch>
-            <a:fillRect/>
-          </a:stretch>
-        </p:blipFill>
-        <p:spPr>
-          <a:xfrm>
-            <a:off x="4800419" y="2371577"/>
-            <a:ext cx="2591162" cy="2114845"/>
-          </a:xfrm>
-          <a:prstGeom prst="rect">
-            <a:avLst/>
-          </a:prstGeom>
-        </p:spPr>
-      </p:pic>
-      <p:pic>
-        <p:nvPicPr>
-          <p:cNvPr id="13" name="그림 12">
-            <a:extLst>
-              <a:ext uri="{FF2B5EF4-FFF2-40B4-BE49-F238E27FC236}">
-                <a16:creationId xmlns:a16="http://schemas.microsoft.com/office/drawing/2014/main" id="{306C1773-E342-BBB6-C8FD-90B8BA0E08D3}"/>
-              </a:ext>
-            </a:extLst>
-          </p:cNvPr>
-          <p:cNvPicPr>
-            <a:picLocks noChangeAspect="1"/>
-          </p:cNvPicPr>
-          <p:nvPr/>
-        </p:nvPicPr>
-        <p:blipFill>
-          <a:blip r:embed="rId6"/>
-          <a:stretch>
-            <a:fillRect/>
-          </a:stretch>
-        </p:blipFill>
-        <p:spPr>
-          <a:xfrm>
-            <a:off x="4733735" y="2490656"/>
-            <a:ext cx="2724530" cy="1876687"/>
-          </a:xfrm>
-          <a:prstGeom prst="rect">
-            <a:avLst/>
-          </a:prstGeom>
-        </p:spPr>
-      </p:pic>
-      <p:pic>
-        <p:nvPicPr>
-          <p:cNvPr id="19" name="그림 18">
-            <a:extLst>
-              <a:ext uri="{FF2B5EF4-FFF2-40B4-BE49-F238E27FC236}">
-                <a16:creationId xmlns:a16="http://schemas.microsoft.com/office/drawing/2014/main" id="{46F72D57-B1BA-9E4E-E6F5-A893C38E0380}"/>
-              </a:ext>
-            </a:extLst>
-          </p:cNvPr>
-          <p:cNvPicPr>
-            <a:picLocks noChangeAspect="1"/>
-          </p:cNvPicPr>
-          <p:nvPr/>
-        </p:nvPicPr>
-        <p:blipFill>
-          <a:blip r:embed="rId7"/>
-          <a:stretch>
-            <a:fillRect/>
-          </a:stretch>
-        </p:blipFill>
-        <p:spPr>
-          <a:xfrm>
-            <a:off x="1930987" y="1833340"/>
-            <a:ext cx="1924319" cy="2543530"/>
-          </a:xfrm>
-          <a:prstGeom prst="rect">
-            <a:avLst/>
-          </a:prstGeom>
-        </p:spPr>
-      </p:pic>
-      <p:pic>
-        <p:nvPicPr>
-          <p:cNvPr id="21" name="그림 20">
-            <a:extLst>
-              <a:ext uri="{FF2B5EF4-FFF2-40B4-BE49-F238E27FC236}">
-                <a16:creationId xmlns:a16="http://schemas.microsoft.com/office/drawing/2014/main" id="{DF6B9749-B9EC-6E1F-EBE8-0F260CD519E2}"/>
-              </a:ext>
-            </a:extLst>
-          </p:cNvPr>
-          <p:cNvPicPr>
-            <a:picLocks noChangeAspect="1"/>
-          </p:cNvPicPr>
-          <p:nvPr/>
-        </p:nvPicPr>
-        <p:blipFill>
-          <a:blip r:embed="rId8"/>
-          <a:stretch>
-            <a:fillRect/>
-          </a:stretch>
-        </p:blipFill>
-        <p:spPr>
-          <a:xfrm>
-            <a:off x="9037619" y="1914314"/>
-            <a:ext cx="2229161" cy="2381582"/>
-          </a:xfrm>
-          <a:prstGeom prst="rect">
-            <a:avLst/>
-          </a:prstGeom>
-        </p:spPr>
-      </p:pic>
-    </p:spTree>
-    <p:extLst>
-      <p:ext uri="{BB962C8B-B14F-4D97-AF65-F5344CB8AC3E}">
-        <p14:creationId xmlns:p14="http://schemas.microsoft.com/office/powerpoint/2010/main" val="1588439881"/>
-      </p:ext>
-    </p:extLst>
-  </p:cSld>
-  <p:clrMapOvr>
-    <a:masterClrMapping/>
-  </p:clrMapOvr>
-</p:sld>
-</file>
-
-<file path=ppt/slides/slide9.xml><?xml version="1.0" encoding="utf-8"?>
-<p:sld xmlns:a="http://schemas.openxmlformats.org/drawingml/2006/main" xmlns:r="http://schemas.openxmlformats.org/officeDocument/2006/relationships" xmlns:p="http://schemas.openxmlformats.org/presentationml/2006/main">
-  <p:cSld>
-    <p:spTree>
-      <p:nvGrpSpPr>
-        <p:cNvPr id="1" name=""/>
-        <p:cNvGrpSpPr/>
-        <p:nvPr/>
-      </p:nvGrpSpPr>
-      <p:grpSpPr>
-        <a:xfrm>
-          <a:off x="0" y="0"/>
-          <a:ext cx="0" cy="0"/>
-          <a:chOff x="0" y="0"/>
-          <a:chExt cx="0" cy="0"/>
-        </a:xfrm>
-      </p:grpSpPr>
-      <p:sp>
-        <p:nvSpPr>
-          <p:cNvPr id="2" name="제목 1">
-            <a:extLst>
-              <a:ext uri="{FF2B5EF4-FFF2-40B4-BE49-F238E27FC236}">
-                <a16:creationId xmlns:a16="http://schemas.microsoft.com/office/drawing/2014/main" id="{C20DC646-6FC9-7EF0-56EF-51B3EA64B389}"/>
-              </a:ext>
-            </a:extLst>
-          </p:cNvPr>
-          <p:cNvSpPr>
-            <a:spLocks noGrp="1"/>
-          </p:cNvSpPr>
-          <p:nvPr>
-            <p:ph type="title"/>
-          </p:nvPr>
-        </p:nvSpPr>
-        <p:spPr/>
-        <p:txBody>
-          <a:bodyPr/>
-          <a:lstStyle/>
-          <a:p>
-            <a:r>
-              <a:rPr lang="ko-KR" altLang="en-US" dirty="0" err="1"/>
-              <a:t>제한점</a:t>
-            </a:r>
-            <a:r>
-              <a:rPr lang="ko-KR" altLang="en-US" dirty="0"/>
-              <a:t> 및 향후목표</a:t>
-            </a:r>
-          </a:p>
-        </p:txBody>
-      </p:sp>
-      <p:sp>
-        <p:nvSpPr>
-          <p:cNvPr id="3" name="내용 개체 틀 2">
-            <a:extLst>
-              <a:ext uri="{FF2B5EF4-FFF2-40B4-BE49-F238E27FC236}">
-                <a16:creationId xmlns:a16="http://schemas.microsoft.com/office/drawing/2014/main" id="{97C35EF9-3311-AAC3-1C7E-FA8B5994508D}"/>
-              </a:ext>
-            </a:extLst>
-          </p:cNvPr>
-          <p:cNvSpPr>
-            <a:spLocks noGrp="1"/>
-          </p:cNvSpPr>
-          <p:nvPr>
-            <p:ph idx="1"/>
-          </p:nvPr>
-        </p:nvSpPr>
-        <p:spPr/>
-        <p:txBody>
-          <a:bodyPr/>
-          <a:lstStyle/>
-          <a:p>
-            <a:r>
-              <a:rPr lang="ko-KR" altLang="en-US" dirty="0"/>
-              <a:t>사진 저장</a:t>
-            </a:r>
-            <a:r>
-              <a:rPr lang="en-US" altLang="ko-KR" dirty="0"/>
-              <a:t>: </a:t>
-            </a:r>
-            <a:r>
-              <a:rPr lang="ko-KR" altLang="en-US" dirty="0"/>
-              <a:t>로컬 </a:t>
-            </a:r>
-            <a:r>
-              <a:rPr lang="en-US" altLang="ko-KR" dirty="0"/>
-              <a:t>vs. </a:t>
-            </a:r>
-            <a:r>
-              <a:rPr lang="ko-KR" altLang="en-US" dirty="0"/>
-              <a:t>서버</a:t>
-            </a:r>
-            <a:endParaRPr lang="en-US" altLang="ko-KR" dirty="0"/>
-          </a:p>
-          <a:p>
-            <a:r>
-              <a:rPr lang="ko-KR" altLang="en-US" dirty="0"/>
-              <a:t>결과 반환 동시 데이터 수집</a:t>
-            </a:r>
-          </a:p>
-        </p:txBody>
-      </p:sp>
-    </p:spTree>
-    <p:extLst>
-      <p:ext uri="{BB962C8B-B14F-4D97-AF65-F5344CB8AC3E}">
-        <p14:creationId xmlns:p14="http://schemas.microsoft.com/office/powerpoint/2010/main" val="1840119854"/>
+        <p14:creationId xmlns:p14="http://schemas.microsoft.com/office/powerpoint/2010/main" val="1484377967"/>
       </p:ext>
     </p:extLst>
   </p:cSld>
